--- a/PeachTree Demo.pptx
+++ b/PeachTree Demo.pptx
@@ -5,7 +5,7 @@
     <p:sldMasterId id="2147483648" r:id="rId1"/>
   </p:sldMasterIdLst>
   <p:notesMasterIdLst>
-    <p:notesMasterId r:id="rId47"/>
+    <p:notesMasterId r:id="rId46"/>
   </p:notesMasterIdLst>
   <p:sldIdLst>
     <p:sldId id="256" r:id="rId2"/>
@@ -25,34 +25,33 @@
     <p:sldId id="302" r:id="rId16"/>
     <p:sldId id="281" r:id="rId17"/>
     <p:sldId id="282" r:id="rId18"/>
-    <p:sldId id="312" r:id="rId19"/>
-    <p:sldId id="285" r:id="rId20"/>
-    <p:sldId id="283" r:id="rId21"/>
-    <p:sldId id="284" r:id="rId22"/>
-    <p:sldId id="278" r:id="rId23"/>
-    <p:sldId id="303" r:id="rId24"/>
-    <p:sldId id="304" r:id="rId25"/>
-    <p:sldId id="286" r:id="rId26"/>
-    <p:sldId id="287" r:id="rId27"/>
-    <p:sldId id="313" r:id="rId28"/>
-    <p:sldId id="314" r:id="rId29"/>
-    <p:sldId id="279" r:id="rId30"/>
-    <p:sldId id="305" r:id="rId31"/>
-    <p:sldId id="306" r:id="rId32"/>
-    <p:sldId id="290" r:id="rId33"/>
-    <p:sldId id="315" r:id="rId34"/>
-    <p:sldId id="280" r:id="rId35"/>
-    <p:sldId id="307" r:id="rId36"/>
-    <p:sldId id="308" r:id="rId37"/>
-    <p:sldId id="316" r:id="rId38"/>
-    <p:sldId id="317" r:id="rId39"/>
-    <p:sldId id="294" r:id="rId40"/>
-    <p:sldId id="318" r:id="rId41"/>
-    <p:sldId id="296" r:id="rId42"/>
-    <p:sldId id="298" r:id="rId43"/>
-    <p:sldId id="311" r:id="rId44"/>
-    <p:sldId id="309" r:id="rId45"/>
-    <p:sldId id="310" r:id="rId46"/>
+    <p:sldId id="285" r:id="rId19"/>
+    <p:sldId id="283" r:id="rId20"/>
+    <p:sldId id="284" r:id="rId21"/>
+    <p:sldId id="278" r:id="rId22"/>
+    <p:sldId id="303" r:id="rId23"/>
+    <p:sldId id="304" r:id="rId24"/>
+    <p:sldId id="286" r:id="rId25"/>
+    <p:sldId id="287" r:id="rId26"/>
+    <p:sldId id="313" r:id="rId27"/>
+    <p:sldId id="314" r:id="rId28"/>
+    <p:sldId id="279" r:id="rId29"/>
+    <p:sldId id="305" r:id="rId30"/>
+    <p:sldId id="306" r:id="rId31"/>
+    <p:sldId id="290" r:id="rId32"/>
+    <p:sldId id="315" r:id="rId33"/>
+    <p:sldId id="280" r:id="rId34"/>
+    <p:sldId id="307" r:id="rId35"/>
+    <p:sldId id="308" r:id="rId36"/>
+    <p:sldId id="316" r:id="rId37"/>
+    <p:sldId id="317" r:id="rId38"/>
+    <p:sldId id="294" r:id="rId39"/>
+    <p:sldId id="318" r:id="rId40"/>
+    <p:sldId id="296" r:id="rId41"/>
+    <p:sldId id="298" r:id="rId42"/>
+    <p:sldId id="311" r:id="rId43"/>
+    <p:sldId id="309" r:id="rId44"/>
+    <p:sldId id="310" r:id="rId45"/>
   </p:sldIdLst>
   <p:sldSz cx="12192000" cy="6858000"/>
   <p:notesSz cx="6858000" cy="9144000"/>
@@ -151,6 +150,11 @@
       </a:defRPr>
     </a:lvl9pPr>
   </p:defaultTextStyle>
+  <p:extLst>
+    <p:ext uri="{EFAFB233-063F-42B5-8137-9DF3F51BA10A}">
+      <p15:sldGuideLst xmlns:p15="http://schemas.microsoft.com/office/powerpoint/2012/main"/>
+    </p:ext>
+  </p:extLst>
 </p:presentation>
 </file>
 
@@ -236,7 +240,7 @@
           <a:p>
             <a:fld id="{EB5F4181-EE86-4228-9F52-7FC03DE29C63}" type="datetimeFigureOut">
               <a:rPr lang="en-GB" smtClean="0"/>
-              <a:t>16/03/2017</a:t>
+              <a:t>21/03/2017</a:t>
             </a:fld>
             <a:endParaRPr lang="en-GB"/>
           </a:p>
@@ -300,35 +304,35 @@
           <a:p>
             <a:pPr lvl="0"/>
             <a:r>
-              <a:rPr lang="en-US" smtClean="0"/>
+              <a:rPr lang="en-US"/>
               <a:t>Edit Master text styles</a:t>
             </a:r>
           </a:p>
           <a:p>
             <a:pPr lvl="1"/>
             <a:r>
-              <a:rPr lang="en-US" smtClean="0"/>
+              <a:rPr lang="en-US"/>
               <a:t>Second level</a:t>
             </a:r>
           </a:p>
           <a:p>
             <a:pPr lvl="2"/>
             <a:r>
-              <a:rPr lang="en-US" smtClean="0"/>
+              <a:rPr lang="en-US"/>
               <a:t>Third level</a:t>
             </a:r>
           </a:p>
           <a:p>
             <a:pPr lvl="3"/>
             <a:r>
-              <a:rPr lang="en-US" smtClean="0"/>
+              <a:rPr lang="en-US"/>
               <a:t>Fourth level</a:t>
             </a:r>
           </a:p>
           <a:p>
             <a:pPr lvl="4"/>
             <a:r>
-              <a:rPr lang="en-US" smtClean="0"/>
+              <a:rPr lang="en-US"/>
               <a:t>Fifth level</a:t>
             </a:r>
             <a:endParaRPr lang="en-GB"/>
@@ -549,32 +553,48 @@
           <a:lstStyle/>
           <a:p>
             <a:r>
-              <a:rPr lang="en-GB" dirty="0" smtClean="0"/>
+              <a:rPr lang="en-GB" dirty="0"/>
               <a:t>Introduce ourselves</a:t>
             </a:r>
           </a:p>
           <a:p>
             <a:r>
-              <a:rPr lang="en-GB" dirty="0" smtClean="0"/>
-              <a:t>Talk</a:t>
-            </a:r>
-            <a:r>
-              <a:rPr lang="en-GB" baseline="0" dirty="0" smtClean="0"/>
+              <a:rPr lang="en-GB" dirty="0"/>
+              <a:t>Natasha - Talk</a:t>
+            </a:r>
+            <a:r>
+              <a:rPr lang="en-GB" baseline="0" dirty="0"/>
               <a:t> about previous websites created, what they achieved and any issues we had</a:t>
             </a:r>
           </a:p>
           <a:p>
             <a:r>
-              <a:rPr lang="en-GB" baseline="0" dirty="0" smtClean="0"/>
-              <a:t>Talk about how we incorporate many new agile techniques to improve code and efficiency</a:t>
-            </a:r>
-          </a:p>
-          <a:p>
-            <a:endParaRPr lang="en-GB" baseline="0" dirty="0" smtClean="0"/>
-          </a:p>
-          <a:p>
-            <a:r>
-              <a:rPr lang="en-GB" baseline="0" dirty="0" smtClean="0"/>
+              <a:rPr lang="en-GB" baseline="0" dirty="0" err="1"/>
+              <a:t>Hennah</a:t>
+            </a:r>
+            <a:r>
+              <a:rPr lang="en-GB" baseline="0" dirty="0"/>
+              <a:t> – Unique selling point</a:t>
+            </a:r>
+          </a:p>
+          <a:p>
+            <a:r>
+              <a:rPr lang="en-GB" baseline="0" dirty="0"/>
+              <a:t>Joe - Talk about how we incorporate many new agile techniques to improve security</a:t>
+            </a:r>
+          </a:p>
+          <a:p>
+            <a:r>
+              <a:rPr lang="en-GB" baseline="0" dirty="0"/>
+              <a:t>Anisa – Mention Analytics</a:t>
+            </a:r>
+          </a:p>
+          <a:p>
+            <a:endParaRPr lang="en-GB" baseline="0" dirty="0"/>
+          </a:p>
+          <a:p>
+            <a:r>
+              <a:rPr lang="en-GB" baseline="0" dirty="0"/>
               <a:t>Transition – ‘So lets talk about what we’ve been doing recently’</a:t>
             </a:r>
             <a:endParaRPr lang="en-GB" dirty="0"/>
@@ -608,6 +628,140 @@
     <p:extLst>
       <p:ext uri="{BB962C8B-B14F-4D97-AF65-F5344CB8AC3E}">
         <p14:creationId xmlns:p14="http://schemas.microsoft.com/office/powerpoint/2010/main" val="3351216623"/>
+      </p:ext>
+    </p:extLst>
+  </p:cSld>
+  <p:clrMapOvr>
+    <a:masterClrMapping/>
+  </p:clrMapOvr>
+</p:notes>
+</file>
+
+<file path=ppt/notesSlides/notesSlide10.xml><?xml version="1.0" encoding="utf-8"?>
+<p:notes xmlns:a="http://schemas.openxmlformats.org/drawingml/2006/main" xmlns:r="http://schemas.openxmlformats.org/officeDocument/2006/relationships" xmlns:p="http://schemas.openxmlformats.org/presentationml/2006/main">
+  <p:cSld>
+    <p:spTree>
+      <p:nvGrpSpPr>
+        <p:cNvPr id="1" name=""/>
+        <p:cNvGrpSpPr/>
+        <p:nvPr/>
+      </p:nvGrpSpPr>
+      <p:grpSpPr>
+        <a:xfrm>
+          <a:off x="0" y="0"/>
+          <a:ext cx="0" cy="0"/>
+          <a:chOff x="0" y="0"/>
+          <a:chExt cx="0" cy="0"/>
+        </a:xfrm>
+      </p:grpSpPr>
+      <p:sp>
+        <p:nvSpPr>
+          <p:cNvPr id="2" name="Slide Image Placeholder 1"/>
+          <p:cNvSpPr>
+            <a:spLocks noGrp="1" noRot="1" noChangeAspect="1"/>
+          </p:cNvSpPr>
+          <p:nvPr>
+            <p:ph type="sldImg"/>
+          </p:nvPr>
+        </p:nvSpPr>
+        <p:spPr/>
+      </p:sp>
+      <p:sp>
+        <p:nvSpPr>
+          <p:cNvPr id="3" name="Notes Placeholder 2"/>
+          <p:cNvSpPr>
+            <a:spLocks noGrp="1"/>
+          </p:cNvSpPr>
+          <p:nvPr>
+            <p:ph type="body" idx="1"/>
+          </p:nvPr>
+        </p:nvSpPr>
+        <p:spPr/>
+        <p:txBody>
+          <a:bodyPr/>
+          <a:lstStyle/>
+          <a:p>
+            <a:r>
+              <a:rPr lang="en-GB" dirty="0"/>
+              <a:t>Mention how in the future we will improve:</a:t>
+            </a:r>
+          </a:p>
+          <a:p>
+            <a:r>
+              <a:rPr lang="en-GB" dirty="0"/>
+              <a:t>UI</a:t>
+            </a:r>
+          </a:p>
+          <a:p>
+            <a:r>
+              <a:rPr lang="en-GB" dirty="0"/>
+              <a:t>Add more functionality</a:t>
+            </a:r>
+            <a:r>
+              <a:rPr lang="en-GB" baseline="0" dirty="0"/>
+              <a:t> to:</a:t>
+            </a:r>
+          </a:p>
+          <a:p>
+            <a:r>
+              <a:rPr lang="en-GB" baseline="0" dirty="0"/>
+              <a:t>Manage users</a:t>
+            </a:r>
+          </a:p>
+          <a:p>
+            <a:r>
+              <a:rPr lang="en-GB" baseline="0" dirty="0"/>
+              <a:t>Fine tune analytics to see more valuable results</a:t>
+            </a:r>
+          </a:p>
+          <a:p>
+            <a:r>
+              <a:rPr lang="en-GB" baseline="0" dirty="0"/>
+              <a:t>Graphical representations of reports</a:t>
+            </a:r>
+          </a:p>
+          <a:p>
+            <a:r>
+              <a:rPr lang="en-GB" baseline="0" dirty="0"/>
+              <a:t>Download images</a:t>
+            </a:r>
+          </a:p>
+          <a:p>
+            <a:r>
+              <a:rPr lang="en-GB" baseline="0" dirty="0"/>
+              <a:t>Download all reports from closed competitions in a zip for marketing manager</a:t>
+            </a:r>
+            <a:endParaRPr lang="en-GB" dirty="0"/>
+          </a:p>
+        </p:txBody>
+      </p:sp>
+      <p:sp>
+        <p:nvSpPr>
+          <p:cNvPr id="4" name="Slide Number Placeholder 3"/>
+          <p:cNvSpPr>
+            <a:spLocks noGrp="1"/>
+          </p:cNvSpPr>
+          <p:nvPr>
+            <p:ph type="sldNum" sz="quarter" idx="10"/>
+          </p:nvPr>
+        </p:nvSpPr>
+        <p:spPr/>
+        <p:txBody>
+          <a:bodyPr/>
+          <a:lstStyle/>
+          <a:p>
+            <a:fld id="{156E58DF-C20F-4ADB-9BBD-0A6E9498829E}" type="slidenum">
+              <a:rPr lang="en-GB" smtClean="0"/>
+              <a:t>43</a:t>
+            </a:fld>
+            <a:endParaRPr lang="en-GB"/>
+          </a:p>
+        </p:txBody>
+      </p:sp>
+    </p:spTree>
+    <p:extLst>
+      <p:ext uri="{BB962C8B-B14F-4D97-AF65-F5344CB8AC3E}">
+        <p14:creationId xmlns:p14="http://schemas.microsoft.com/office/powerpoint/2010/main" val="1413386402"/>
       </p:ext>
     </p:extLst>
   </p:cSld>
@@ -662,63 +816,63 @@
           <a:lstStyle/>
           <a:p>
             <a:r>
-              <a:rPr lang="en-GB" dirty="0" smtClean="0"/>
+              <a:rPr lang="en-GB" dirty="0"/>
               <a:t>What is the University</a:t>
             </a:r>
             <a:r>
-              <a:rPr lang="en-GB" baseline="0" dirty="0" smtClean="0"/>
+              <a:rPr lang="en-GB" baseline="0" dirty="0"/>
               <a:t> Magazine Contribution website? </a:t>
             </a:r>
           </a:p>
           <a:p>
             <a:r>
-              <a:rPr lang="en-GB" baseline="0" dirty="0" smtClean="0"/>
+              <a:rPr lang="en-GB" baseline="0" dirty="0"/>
               <a:t>	Explain the problem (need students to contribute)</a:t>
             </a:r>
           </a:p>
           <a:p>
             <a:r>
-              <a:rPr lang="en-GB" baseline="0" dirty="0" smtClean="0"/>
+              <a:rPr lang="en-GB" baseline="0" dirty="0"/>
               <a:t>	Explain how the system would be implemented (use existing university email addresses and </a:t>
             </a:r>
             <a:r>
-              <a:rPr lang="en-GB" baseline="0" dirty="0" err="1" smtClean="0"/>
+              <a:rPr lang="en-GB" baseline="0" dirty="0" err="1"/>
               <a:t>pwds</a:t>
             </a:r>
             <a:r>
-              <a:rPr lang="en-GB" baseline="0" dirty="0" smtClean="0"/>
+              <a:rPr lang="en-GB" baseline="0" dirty="0"/>
               <a:t>)</a:t>
             </a:r>
-            <a:endParaRPr lang="en-GB" dirty="0" smtClean="0"/>
-          </a:p>
-          <a:p>
-            <a:r>
-              <a:rPr lang="en-GB" dirty="0" smtClean="0"/>
+            <a:endParaRPr lang="en-GB" dirty="0"/>
+          </a:p>
+          <a:p>
+            <a:r>
+              <a:rPr lang="en-GB" dirty="0"/>
               <a:t>What does the system do?</a:t>
             </a:r>
           </a:p>
           <a:p>
             <a:r>
-              <a:rPr lang="en-GB" dirty="0" smtClean="0"/>
+              <a:rPr lang="en-GB" dirty="0"/>
               <a:t>	Go through use case for each type of user</a:t>
             </a:r>
           </a:p>
           <a:p>
-            <a:endParaRPr lang="en-GB" dirty="0" smtClean="0"/>
-          </a:p>
-          <a:p>
-            <a:r>
-              <a:rPr lang="en-GB" dirty="0" smtClean="0"/>
+            <a:endParaRPr lang="en-GB" dirty="0"/>
+          </a:p>
+          <a:p>
+            <a:r>
+              <a:rPr lang="en-GB" dirty="0"/>
               <a:t>Transition – ‘Lets</a:t>
             </a:r>
             <a:r>
-              <a:rPr lang="en-GB" baseline="0" dirty="0" smtClean="0"/>
+              <a:rPr lang="en-GB" baseline="0" dirty="0"/>
               <a:t> look at some examples of the system in action’</a:t>
             </a:r>
-            <a:endParaRPr lang="en-GB" dirty="0" smtClean="0"/>
-          </a:p>
-          <a:p>
-            <a:endParaRPr lang="en-GB" dirty="0" smtClean="0"/>
+            <a:endParaRPr lang="en-GB" dirty="0"/>
+          </a:p>
+          <a:p>
+            <a:endParaRPr lang="en-GB" dirty="0"/>
           </a:p>
           <a:p>
             <a:endParaRPr lang="en-GB" dirty="0"/>
@@ -806,11 +960,11 @@
           <a:lstStyle/>
           <a:p>
             <a:r>
-              <a:rPr lang="en-GB" dirty="0" smtClean="0"/>
+              <a:rPr lang="en-GB" dirty="0"/>
               <a:t>This</a:t>
             </a:r>
             <a:r>
-              <a:rPr lang="en-GB" baseline="0" dirty="0" smtClean="0"/>
+              <a:rPr lang="en-GB" baseline="0" dirty="0"/>
               <a:t> experience is for people who may not belong to any faculty in the university, but are interested in viewing past publications of the magazine.</a:t>
             </a:r>
             <a:endParaRPr lang="en-GB" dirty="0"/>
@@ -918,7 +1072,7 @@
           <a:p>
             <a:fld id="{156E58DF-C20F-4ADB-9BBD-0A6E9498829E}" type="slidenum">
               <a:rPr lang="en-GB" smtClean="0"/>
-              <a:t>8</a:t>
+              <a:t>7</a:t>
             </a:fld>
             <a:endParaRPr lang="en-GB"/>
           </a:p>
@@ -927,7 +1081,7 @@
     </p:spTree>
     <p:extLst>
       <p:ext uri="{BB962C8B-B14F-4D97-AF65-F5344CB8AC3E}">
-        <p14:creationId xmlns:p14="http://schemas.microsoft.com/office/powerpoint/2010/main" val="117676962"/>
+        <p14:creationId xmlns:p14="http://schemas.microsoft.com/office/powerpoint/2010/main" val="604914256"/>
       </p:ext>
     </p:extLst>
   </p:cSld>
@@ -1002,7 +1156,7 @@
           <a:p>
             <a:fld id="{156E58DF-C20F-4ADB-9BBD-0A6E9498829E}" type="slidenum">
               <a:rPr lang="en-GB" smtClean="0"/>
-              <a:t>13</a:t>
+              <a:t>8</a:t>
             </a:fld>
             <a:endParaRPr lang="en-GB"/>
           </a:p>
@@ -1011,7 +1165,7 @@
     </p:spTree>
     <p:extLst>
       <p:ext uri="{BB962C8B-B14F-4D97-AF65-F5344CB8AC3E}">
-        <p14:creationId xmlns:p14="http://schemas.microsoft.com/office/powerpoint/2010/main" val="807730781"/>
+        <p14:creationId xmlns:p14="http://schemas.microsoft.com/office/powerpoint/2010/main" val="117676962"/>
       </p:ext>
     </p:extLst>
   </p:cSld>
@@ -1086,7 +1240,7 @@
           <a:p>
             <a:fld id="{156E58DF-C20F-4ADB-9BBD-0A6E9498829E}" type="slidenum">
               <a:rPr lang="en-GB" smtClean="0"/>
-              <a:t>22</a:t>
+              <a:t>13</a:t>
             </a:fld>
             <a:endParaRPr lang="en-GB"/>
           </a:p>
@@ -1095,7 +1249,7 @@
     </p:spTree>
     <p:extLst>
       <p:ext uri="{BB962C8B-B14F-4D97-AF65-F5344CB8AC3E}">
-        <p14:creationId xmlns:p14="http://schemas.microsoft.com/office/powerpoint/2010/main" val="34575883"/>
+        <p14:creationId xmlns:p14="http://schemas.microsoft.com/office/powerpoint/2010/main" val="807730781"/>
       </p:ext>
     </p:extLst>
   </p:cSld>
@@ -1170,7 +1324,7 @@
           <a:p>
             <a:fld id="{156E58DF-C20F-4ADB-9BBD-0A6E9498829E}" type="slidenum">
               <a:rPr lang="en-GB" smtClean="0"/>
-              <a:t>29</a:t>
+              <a:t>21</a:t>
             </a:fld>
             <a:endParaRPr lang="en-GB"/>
           </a:p>
@@ -1179,7 +1333,7 @@
     </p:spTree>
     <p:extLst>
       <p:ext uri="{BB962C8B-B14F-4D97-AF65-F5344CB8AC3E}">
-        <p14:creationId xmlns:p14="http://schemas.microsoft.com/office/powerpoint/2010/main" val="2107712911"/>
+        <p14:creationId xmlns:p14="http://schemas.microsoft.com/office/powerpoint/2010/main" val="34575883"/>
       </p:ext>
     </p:extLst>
   </p:cSld>
@@ -1254,7 +1408,7 @@
           <a:p>
             <a:fld id="{156E58DF-C20F-4ADB-9BBD-0A6E9498829E}" type="slidenum">
               <a:rPr lang="en-GB" smtClean="0"/>
-              <a:t>34</a:t>
+              <a:t>28</a:t>
             </a:fld>
             <a:endParaRPr lang="en-GB"/>
           </a:p>
@@ -1263,7 +1417,7 @@
     </p:spTree>
     <p:extLst>
       <p:ext uri="{BB962C8B-B14F-4D97-AF65-F5344CB8AC3E}">
-        <p14:creationId xmlns:p14="http://schemas.microsoft.com/office/powerpoint/2010/main" val="3384731337"/>
+        <p14:creationId xmlns:p14="http://schemas.microsoft.com/office/powerpoint/2010/main" val="2107712911"/>
       </p:ext>
     </p:extLst>
   </p:cSld>
@@ -1317,56 +1471,6 @@
           <a:bodyPr/>
           <a:lstStyle/>
           <a:p>
-            <a:r>
-              <a:rPr lang="en-GB" dirty="0" smtClean="0"/>
-              <a:t>Mention how in the future we will improve:</a:t>
-            </a:r>
-          </a:p>
-          <a:p>
-            <a:r>
-              <a:rPr lang="en-GB" dirty="0" smtClean="0"/>
-              <a:t>UI</a:t>
-            </a:r>
-          </a:p>
-          <a:p>
-            <a:r>
-              <a:rPr lang="en-GB" dirty="0" smtClean="0"/>
-              <a:t>Add more functionality</a:t>
-            </a:r>
-            <a:r>
-              <a:rPr lang="en-GB" baseline="0" dirty="0" smtClean="0"/>
-              <a:t> to:</a:t>
-            </a:r>
-          </a:p>
-          <a:p>
-            <a:r>
-              <a:rPr lang="en-GB" baseline="0" dirty="0" smtClean="0"/>
-              <a:t>Manage users</a:t>
-            </a:r>
-          </a:p>
-          <a:p>
-            <a:r>
-              <a:rPr lang="en-GB" baseline="0" dirty="0" smtClean="0"/>
-              <a:t>Fine tune analytics to see more valuable results</a:t>
-            </a:r>
-          </a:p>
-          <a:p>
-            <a:r>
-              <a:rPr lang="en-GB" baseline="0" dirty="0" smtClean="0"/>
-              <a:t>Graphical representations of reports</a:t>
-            </a:r>
-          </a:p>
-          <a:p>
-            <a:r>
-              <a:rPr lang="en-GB" baseline="0" dirty="0" smtClean="0"/>
-              <a:t>Download images</a:t>
-            </a:r>
-          </a:p>
-          <a:p>
-            <a:r>
-              <a:rPr lang="en-GB" baseline="0" dirty="0" smtClean="0"/>
-              <a:t>Download all reports from closed competitions in a zip for marketing manager</a:t>
-            </a:r>
             <a:endParaRPr lang="en-GB" dirty="0"/>
           </a:p>
         </p:txBody>
@@ -1388,7 +1492,7 @@
           <a:p>
             <a:fld id="{156E58DF-C20F-4ADB-9BBD-0A6E9498829E}" type="slidenum">
               <a:rPr lang="en-GB" smtClean="0"/>
-              <a:t>44</a:t>
+              <a:t>33</a:t>
             </a:fld>
             <a:endParaRPr lang="en-GB"/>
           </a:p>
@@ -1397,7 +1501,7 @@
     </p:spTree>
     <p:extLst>
       <p:ext uri="{BB962C8B-B14F-4D97-AF65-F5344CB8AC3E}">
-        <p14:creationId xmlns:p14="http://schemas.microsoft.com/office/powerpoint/2010/main" val="1413386402"/>
+        <p14:creationId xmlns:p14="http://schemas.microsoft.com/office/powerpoint/2010/main" val="3384731337"/>
       </p:ext>
     </p:extLst>
   </p:cSld>
@@ -1449,7 +1553,7 @@
           </a:lstStyle>
           <a:p>
             <a:r>
-              <a:rPr lang="en-US" smtClean="0"/>
+              <a:rPr lang="en-US"/>
               <a:t>Click to edit Master title style</a:t>
             </a:r>
             <a:endParaRPr lang="en-GB"/>
@@ -1514,7 +1618,7 @@
           </a:lstStyle>
           <a:p>
             <a:r>
-              <a:rPr lang="en-US" smtClean="0"/>
+              <a:rPr lang="en-US"/>
               <a:t>Click to edit Master subtitle style</a:t>
             </a:r>
             <a:endParaRPr lang="en-GB"/>
@@ -1538,7 +1642,7 @@
           <a:p>
             <a:fld id="{5C36A610-212D-490E-909E-3F8F1580D671}" type="datetimeFigureOut">
               <a:rPr lang="en-GB" smtClean="0"/>
-              <a:t>16/03/2017</a:t>
+              <a:t>21/03/2017</a:t>
             </a:fld>
             <a:endParaRPr lang="en-GB"/>
           </a:p>
@@ -1632,7 +1736,7 @@
           <a:lstStyle/>
           <a:p>
             <a:r>
-              <a:rPr lang="en-US" smtClean="0"/>
+              <a:rPr lang="en-US"/>
               <a:t>Click to edit Master title style</a:t>
             </a:r>
             <a:endParaRPr lang="en-GB"/>
@@ -1656,35 +1760,35 @@
           <a:p>
             <a:pPr lvl="0"/>
             <a:r>
-              <a:rPr lang="en-US" smtClean="0"/>
+              <a:rPr lang="en-US"/>
               <a:t>Edit Master text styles</a:t>
             </a:r>
           </a:p>
           <a:p>
             <a:pPr lvl="1"/>
             <a:r>
-              <a:rPr lang="en-US" smtClean="0"/>
+              <a:rPr lang="en-US"/>
               <a:t>Second level</a:t>
             </a:r>
           </a:p>
           <a:p>
             <a:pPr lvl="2"/>
             <a:r>
-              <a:rPr lang="en-US" smtClean="0"/>
+              <a:rPr lang="en-US"/>
               <a:t>Third level</a:t>
             </a:r>
           </a:p>
           <a:p>
             <a:pPr lvl="3"/>
             <a:r>
-              <a:rPr lang="en-US" smtClean="0"/>
+              <a:rPr lang="en-US"/>
               <a:t>Fourth level</a:t>
             </a:r>
           </a:p>
           <a:p>
             <a:pPr lvl="4"/>
             <a:r>
-              <a:rPr lang="en-US" smtClean="0"/>
+              <a:rPr lang="en-US"/>
               <a:t>Fifth level</a:t>
             </a:r>
             <a:endParaRPr lang="en-GB"/>
@@ -1708,7 +1812,7 @@
           <a:p>
             <a:fld id="{5C36A610-212D-490E-909E-3F8F1580D671}" type="datetimeFigureOut">
               <a:rPr lang="en-GB" smtClean="0"/>
-              <a:t>16/03/2017</a:t>
+              <a:t>21/03/2017</a:t>
             </a:fld>
             <a:endParaRPr lang="en-GB"/>
           </a:p>
@@ -1807,7 +1911,7 @@
           <a:lstStyle/>
           <a:p>
             <a:r>
-              <a:rPr lang="en-US" smtClean="0"/>
+              <a:rPr lang="en-US"/>
               <a:t>Click to edit Master title style</a:t>
             </a:r>
             <a:endParaRPr lang="en-GB"/>
@@ -1836,35 +1940,35 @@
           <a:p>
             <a:pPr lvl="0"/>
             <a:r>
-              <a:rPr lang="en-US" smtClean="0"/>
+              <a:rPr lang="en-US"/>
               <a:t>Edit Master text styles</a:t>
             </a:r>
           </a:p>
           <a:p>
             <a:pPr lvl="1"/>
             <a:r>
-              <a:rPr lang="en-US" smtClean="0"/>
+              <a:rPr lang="en-US"/>
               <a:t>Second level</a:t>
             </a:r>
           </a:p>
           <a:p>
             <a:pPr lvl="2"/>
             <a:r>
-              <a:rPr lang="en-US" smtClean="0"/>
+              <a:rPr lang="en-US"/>
               <a:t>Third level</a:t>
             </a:r>
           </a:p>
           <a:p>
             <a:pPr lvl="3"/>
             <a:r>
-              <a:rPr lang="en-US" smtClean="0"/>
+              <a:rPr lang="en-US"/>
               <a:t>Fourth level</a:t>
             </a:r>
           </a:p>
           <a:p>
             <a:pPr lvl="4"/>
             <a:r>
-              <a:rPr lang="en-US" smtClean="0"/>
+              <a:rPr lang="en-US"/>
               <a:t>Fifth level</a:t>
             </a:r>
             <a:endParaRPr lang="en-GB"/>
@@ -1888,7 +1992,7 @@
           <a:p>
             <a:fld id="{5C36A610-212D-490E-909E-3F8F1580D671}" type="datetimeFigureOut">
               <a:rPr lang="en-GB" smtClean="0"/>
-              <a:t>16/03/2017</a:t>
+              <a:t>21/03/2017</a:t>
             </a:fld>
             <a:endParaRPr lang="en-GB"/>
           </a:p>
@@ -1982,7 +2086,7 @@
           <a:lstStyle/>
           <a:p>
             <a:r>
-              <a:rPr lang="en-US" smtClean="0"/>
+              <a:rPr lang="en-US"/>
               <a:t>Click to edit Master title style</a:t>
             </a:r>
             <a:endParaRPr lang="en-GB"/>
@@ -2006,35 +2110,35 @@
           <a:p>
             <a:pPr lvl="0"/>
             <a:r>
-              <a:rPr lang="en-US" smtClean="0"/>
+              <a:rPr lang="en-US"/>
               <a:t>Edit Master text styles</a:t>
             </a:r>
           </a:p>
           <a:p>
             <a:pPr lvl="1"/>
             <a:r>
-              <a:rPr lang="en-US" smtClean="0"/>
+              <a:rPr lang="en-US"/>
               <a:t>Second level</a:t>
             </a:r>
           </a:p>
           <a:p>
             <a:pPr lvl="2"/>
             <a:r>
-              <a:rPr lang="en-US" smtClean="0"/>
+              <a:rPr lang="en-US"/>
               <a:t>Third level</a:t>
             </a:r>
           </a:p>
           <a:p>
             <a:pPr lvl="3"/>
             <a:r>
-              <a:rPr lang="en-US" smtClean="0"/>
+              <a:rPr lang="en-US"/>
               <a:t>Fourth level</a:t>
             </a:r>
           </a:p>
           <a:p>
             <a:pPr lvl="4"/>
             <a:r>
-              <a:rPr lang="en-US" smtClean="0"/>
+              <a:rPr lang="en-US"/>
               <a:t>Fifth level</a:t>
             </a:r>
             <a:endParaRPr lang="en-GB"/>
@@ -2058,7 +2162,7 @@
           <a:p>
             <a:fld id="{5C36A610-212D-490E-909E-3F8F1580D671}" type="datetimeFigureOut">
               <a:rPr lang="en-GB" smtClean="0"/>
-              <a:t>16/03/2017</a:t>
+              <a:t>21/03/2017</a:t>
             </a:fld>
             <a:endParaRPr lang="en-GB"/>
           </a:p>
@@ -2161,7 +2265,7 @@
           </a:lstStyle>
           <a:p>
             <a:r>
-              <a:rPr lang="en-US" smtClean="0"/>
+              <a:rPr lang="en-US"/>
               <a:t>Click to edit Master title style</a:t>
             </a:r>
             <a:endParaRPr lang="en-GB"/>
@@ -2281,7 +2385,7 @@
           <a:p>
             <a:pPr lvl="0"/>
             <a:r>
-              <a:rPr lang="en-US" smtClean="0"/>
+              <a:rPr lang="en-US"/>
               <a:t>Edit Master text styles</a:t>
             </a:r>
           </a:p>
@@ -2304,7 +2408,7 @@
           <a:p>
             <a:fld id="{5C36A610-212D-490E-909E-3F8F1580D671}" type="datetimeFigureOut">
               <a:rPr lang="en-GB" smtClean="0"/>
-              <a:t>16/03/2017</a:t>
+              <a:t>21/03/2017</a:t>
             </a:fld>
             <a:endParaRPr lang="en-GB"/>
           </a:p>
@@ -2398,7 +2502,7 @@
           <a:lstStyle/>
           <a:p>
             <a:r>
-              <a:rPr lang="en-US" smtClean="0"/>
+              <a:rPr lang="en-US"/>
               <a:t>Click to edit Master title style</a:t>
             </a:r>
             <a:endParaRPr lang="en-GB"/>
@@ -2427,35 +2531,35 @@
           <a:p>
             <a:pPr lvl="0"/>
             <a:r>
-              <a:rPr lang="en-US" smtClean="0"/>
+              <a:rPr lang="en-US"/>
               <a:t>Edit Master text styles</a:t>
             </a:r>
           </a:p>
           <a:p>
             <a:pPr lvl="1"/>
             <a:r>
-              <a:rPr lang="en-US" smtClean="0"/>
+              <a:rPr lang="en-US"/>
               <a:t>Second level</a:t>
             </a:r>
           </a:p>
           <a:p>
             <a:pPr lvl="2"/>
             <a:r>
-              <a:rPr lang="en-US" smtClean="0"/>
+              <a:rPr lang="en-US"/>
               <a:t>Third level</a:t>
             </a:r>
           </a:p>
           <a:p>
             <a:pPr lvl="3"/>
             <a:r>
-              <a:rPr lang="en-US" smtClean="0"/>
+              <a:rPr lang="en-US"/>
               <a:t>Fourth level</a:t>
             </a:r>
           </a:p>
           <a:p>
             <a:pPr lvl="4"/>
             <a:r>
-              <a:rPr lang="en-US" smtClean="0"/>
+              <a:rPr lang="en-US"/>
               <a:t>Fifth level</a:t>
             </a:r>
             <a:endParaRPr lang="en-GB"/>
@@ -2484,35 +2588,35 @@
           <a:p>
             <a:pPr lvl="0"/>
             <a:r>
-              <a:rPr lang="en-US" smtClean="0"/>
+              <a:rPr lang="en-US"/>
               <a:t>Edit Master text styles</a:t>
             </a:r>
           </a:p>
           <a:p>
             <a:pPr lvl="1"/>
             <a:r>
-              <a:rPr lang="en-US" smtClean="0"/>
+              <a:rPr lang="en-US"/>
               <a:t>Second level</a:t>
             </a:r>
           </a:p>
           <a:p>
             <a:pPr lvl="2"/>
             <a:r>
-              <a:rPr lang="en-US" smtClean="0"/>
+              <a:rPr lang="en-US"/>
               <a:t>Third level</a:t>
             </a:r>
           </a:p>
           <a:p>
             <a:pPr lvl="3"/>
             <a:r>
-              <a:rPr lang="en-US" smtClean="0"/>
+              <a:rPr lang="en-US"/>
               <a:t>Fourth level</a:t>
             </a:r>
           </a:p>
           <a:p>
             <a:pPr lvl="4"/>
             <a:r>
-              <a:rPr lang="en-US" smtClean="0"/>
+              <a:rPr lang="en-US"/>
               <a:t>Fifth level</a:t>
             </a:r>
             <a:endParaRPr lang="en-GB"/>
@@ -2536,7 +2640,7 @@
           <a:p>
             <a:fld id="{5C36A610-212D-490E-909E-3F8F1580D671}" type="datetimeFigureOut">
               <a:rPr lang="en-GB" smtClean="0"/>
-              <a:t>16/03/2017</a:t>
+              <a:t>21/03/2017</a:t>
             </a:fld>
             <a:endParaRPr lang="en-GB"/>
           </a:p>
@@ -2635,7 +2739,7 @@
           <a:lstStyle/>
           <a:p>
             <a:r>
-              <a:rPr lang="en-US" smtClean="0"/>
+              <a:rPr lang="en-US"/>
               <a:t>Click to edit Master title style</a:t>
             </a:r>
             <a:endParaRPr lang="en-GB"/>
@@ -2701,7 +2805,7 @@
           <a:p>
             <a:pPr lvl="0"/>
             <a:r>
-              <a:rPr lang="en-US" smtClean="0"/>
+              <a:rPr lang="en-US"/>
               <a:t>Edit Master text styles</a:t>
             </a:r>
           </a:p>
@@ -2729,35 +2833,35 @@
           <a:p>
             <a:pPr lvl="0"/>
             <a:r>
-              <a:rPr lang="en-US" smtClean="0"/>
+              <a:rPr lang="en-US"/>
               <a:t>Edit Master text styles</a:t>
             </a:r>
           </a:p>
           <a:p>
             <a:pPr lvl="1"/>
             <a:r>
-              <a:rPr lang="en-US" smtClean="0"/>
+              <a:rPr lang="en-US"/>
               <a:t>Second level</a:t>
             </a:r>
           </a:p>
           <a:p>
             <a:pPr lvl="2"/>
             <a:r>
-              <a:rPr lang="en-US" smtClean="0"/>
+              <a:rPr lang="en-US"/>
               <a:t>Third level</a:t>
             </a:r>
           </a:p>
           <a:p>
             <a:pPr lvl="3"/>
             <a:r>
-              <a:rPr lang="en-US" smtClean="0"/>
+              <a:rPr lang="en-US"/>
               <a:t>Fourth level</a:t>
             </a:r>
           </a:p>
           <a:p>
             <a:pPr lvl="4"/>
             <a:r>
-              <a:rPr lang="en-US" smtClean="0"/>
+              <a:rPr lang="en-US"/>
               <a:t>Fifth level</a:t>
             </a:r>
             <a:endParaRPr lang="en-GB"/>
@@ -2823,7 +2927,7 @@
           <a:p>
             <a:pPr lvl="0"/>
             <a:r>
-              <a:rPr lang="en-US" smtClean="0"/>
+              <a:rPr lang="en-US"/>
               <a:t>Edit Master text styles</a:t>
             </a:r>
           </a:p>
@@ -2851,35 +2955,35 @@
           <a:p>
             <a:pPr lvl="0"/>
             <a:r>
-              <a:rPr lang="en-US" smtClean="0"/>
+              <a:rPr lang="en-US"/>
               <a:t>Edit Master text styles</a:t>
             </a:r>
           </a:p>
           <a:p>
             <a:pPr lvl="1"/>
             <a:r>
-              <a:rPr lang="en-US" smtClean="0"/>
+              <a:rPr lang="en-US"/>
               <a:t>Second level</a:t>
             </a:r>
           </a:p>
           <a:p>
             <a:pPr lvl="2"/>
             <a:r>
-              <a:rPr lang="en-US" smtClean="0"/>
+              <a:rPr lang="en-US"/>
               <a:t>Third level</a:t>
             </a:r>
           </a:p>
           <a:p>
             <a:pPr lvl="3"/>
             <a:r>
-              <a:rPr lang="en-US" smtClean="0"/>
+              <a:rPr lang="en-US"/>
               <a:t>Fourth level</a:t>
             </a:r>
           </a:p>
           <a:p>
             <a:pPr lvl="4"/>
             <a:r>
-              <a:rPr lang="en-US" smtClean="0"/>
+              <a:rPr lang="en-US"/>
               <a:t>Fifth level</a:t>
             </a:r>
             <a:endParaRPr lang="en-GB"/>
@@ -2903,7 +3007,7 @@
           <a:p>
             <a:fld id="{5C36A610-212D-490E-909E-3F8F1580D671}" type="datetimeFigureOut">
               <a:rPr lang="en-GB" smtClean="0"/>
-              <a:t>16/03/2017</a:t>
+              <a:t>21/03/2017</a:t>
             </a:fld>
             <a:endParaRPr lang="en-GB"/>
           </a:p>
@@ -2997,7 +3101,7 @@
           <a:lstStyle/>
           <a:p>
             <a:r>
-              <a:rPr lang="en-US" smtClean="0"/>
+              <a:rPr lang="en-US"/>
               <a:t>Click to edit Master title style</a:t>
             </a:r>
             <a:endParaRPr lang="en-GB"/>
@@ -3021,7 +3125,7 @@
           <a:p>
             <a:fld id="{5C36A610-212D-490E-909E-3F8F1580D671}" type="datetimeFigureOut">
               <a:rPr lang="en-GB" smtClean="0"/>
-              <a:t>16/03/2017</a:t>
+              <a:t>21/03/2017</a:t>
             </a:fld>
             <a:endParaRPr lang="en-GB"/>
           </a:p>
@@ -3116,7 +3220,7 @@
           <a:p>
             <a:fld id="{5C36A610-212D-490E-909E-3F8F1580D671}" type="datetimeFigureOut">
               <a:rPr lang="en-GB" smtClean="0"/>
-              <a:t>16/03/2017</a:t>
+              <a:t>21/03/2017</a:t>
             </a:fld>
             <a:endParaRPr lang="en-GB"/>
           </a:p>
@@ -3219,7 +3323,7 @@
           </a:lstStyle>
           <a:p>
             <a:r>
-              <a:rPr lang="en-US" smtClean="0"/>
+              <a:rPr lang="en-US"/>
               <a:t>Click to edit Master title style</a:t>
             </a:r>
             <a:endParaRPr lang="en-GB"/>
@@ -3276,35 +3380,35 @@
           <a:p>
             <a:pPr lvl="0"/>
             <a:r>
-              <a:rPr lang="en-US" smtClean="0"/>
+              <a:rPr lang="en-US"/>
               <a:t>Edit Master text styles</a:t>
             </a:r>
           </a:p>
           <a:p>
             <a:pPr lvl="1"/>
             <a:r>
-              <a:rPr lang="en-US" smtClean="0"/>
+              <a:rPr lang="en-US"/>
               <a:t>Second level</a:t>
             </a:r>
           </a:p>
           <a:p>
             <a:pPr lvl="2"/>
             <a:r>
-              <a:rPr lang="en-US" smtClean="0"/>
+              <a:rPr lang="en-US"/>
               <a:t>Third level</a:t>
             </a:r>
           </a:p>
           <a:p>
             <a:pPr lvl="3"/>
             <a:r>
-              <a:rPr lang="en-US" smtClean="0"/>
+              <a:rPr lang="en-US"/>
               <a:t>Fourth level</a:t>
             </a:r>
           </a:p>
           <a:p>
             <a:pPr lvl="4"/>
             <a:r>
-              <a:rPr lang="en-US" smtClean="0"/>
+              <a:rPr lang="en-US"/>
               <a:t>Fifth level</a:t>
             </a:r>
             <a:endParaRPr lang="en-GB"/>
@@ -3370,7 +3474,7 @@
           <a:p>
             <a:pPr lvl="0"/>
             <a:r>
-              <a:rPr lang="en-US" smtClean="0"/>
+              <a:rPr lang="en-US"/>
               <a:t>Edit Master text styles</a:t>
             </a:r>
           </a:p>
@@ -3393,7 +3497,7 @@
           <a:p>
             <a:fld id="{5C36A610-212D-490E-909E-3F8F1580D671}" type="datetimeFigureOut">
               <a:rPr lang="en-GB" smtClean="0"/>
-              <a:t>16/03/2017</a:t>
+              <a:t>21/03/2017</a:t>
             </a:fld>
             <a:endParaRPr lang="en-GB"/>
           </a:p>
@@ -3496,7 +3600,7 @@
           </a:lstStyle>
           <a:p>
             <a:r>
-              <a:rPr lang="en-US" smtClean="0"/>
+              <a:rPr lang="en-US"/>
               <a:t>Click to edit Master title style</a:t>
             </a:r>
             <a:endParaRPr lang="en-GB"/>
@@ -3623,7 +3727,7 @@
           <a:p>
             <a:pPr lvl="0"/>
             <a:r>
-              <a:rPr lang="en-US" smtClean="0"/>
+              <a:rPr lang="en-US"/>
               <a:t>Edit Master text styles</a:t>
             </a:r>
           </a:p>
@@ -3646,7 +3750,7 @@
           <a:p>
             <a:fld id="{5C36A610-212D-490E-909E-3F8F1580D671}" type="datetimeFigureOut">
               <a:rPr lang="en-GB" smtClean="0"/>
-              <a:t>16/03/2017</a:t>
+              <a:t>21/03/2017</a:t>
             </a:fld>
             <a:endParaRPr lang="en-GB"/>
           </a:p>
@@ -3755,7 +3859,7 @@
           <a:lstStyle/>
           <a:p>
             <a:r>
-              <a:rPr lang="en-US" smtClean="0"/>
+              <a:rPr lang="en-US"/>
               <a:t>Click to edit Master title style</a:t>
             </a:r>
             <a:endParaRPr lang="en-GB"/>
@@ -3789,35 +3893,35 @@
           <a:p>
             <a:pPr lvl="0"/>
             <a:r>
-              <a:rPr lang="en-US" smtClean="0"/>
+              <a:rPr lang="en-US"/>
               <a:t>Edit Master text styles</a:t>
             </a:r>
           </a:p>
           <a:p>
             <a:pPr lvl="1"/>
             <a:r>
-              <a:rPr lang="en-US" smtClean="0"/>
+              <a:rPr lang="en-US"/>
               <a:t>Second level</a:t>
             </a:r>
           </a:p>
           <a:p>
             <a:pPr lvl="2"/>
             <a:r>
-              <a:rPr lang="en-US" smtClean="0"/>
+              <a:rPr lang="en-US"/>
               <a:t>Third level</a:t>
             </a:r>
           </a:p>
           <a:p>
             <a:pPr lvl="3"/>
             <a:r>
-              <a:rPr lang="en-US" smtClean="0"/>
+              <a:rPr lang="en-US"/>
               <a:t>Fourth level</a:t>
             </a:r>
           </a:p>
           <a:p>
             <a:pPr lvl="4"/>
             <a:r>
-              <a:rPr lang="en-US" smtClean="0"/>
+              <a:rPr lang="en-US"/>
               <a:t>Fifth level</a:t>
             </a:r>
             <a:endParaRPr lang="en-GB"/>
@@ -3859,7 +3963,7 @@
           <a:p>
             <a:fld id="{5C36A610-212D-490E-909E-3F8F1580D671}" type="datetimeFigureOut">
               <a:rPr lang="en-GB" smtClean="0"/>
-              <a:t>16/03/2017</a:t>
+              <a:t>21/03/2017</a:t>
             </a:fld>
             <a:endParaRPr lang="en-GB"/>
           </a:p>
@@ -4320,10 +4424,9 @@
           <a:p>
             <a:pPr algn="ctr"/>
             <a:r>
-              <a:rPr lang="en-GB" sz="6000" dirty="0" smtClean="0"/>
+              <a:rPr lang="en-GB" sz="6000" dirty="0"/>
               <a:t>PeachTree</a:t>
             </a:r>
-            <a:endParaRPr lang="en-GB" sz="6000" dirty="0"/>
           </a:p>
         </p:txBody>
       </p:sp>
@@ -4337,13 +4440,6 @@
   <p:clrMapOvr>
     <a:masterClrMapping/>
   </p:clrMapOvr>
-  <p:timing>
-    <p:tnLst>
-      <p:par>
-        <p:cTn id="1" dur="indefinite" restart="never" nodeType="tmRoot"/>
-      </p:par>
-    </p:tnLst>
-  </p:timing>
 </p:sld>
 </file>
 
@@ -4418,16 +4514,15 @@
           <a:p>
             <a:pPr algn="ctr"/>
             <a:r>
-              <a:rPr lang="en-GB" sz="6000" dirty="0" smtClean="0"/>
+              <a:rPr lang="en-GB" sz="6000" dirty="0"/>
               <a:t>Home</a:t>
             </a:r>
-            <a:endParaRPr lang="en-GB" sz="6000" dirty="0"/>
           </a:p>
         </p:txBody>
       </p:sp>
       <p:pic>
         <p:nvPicPr>
-          <p:cNvPr id="2" name="Picture 1"/>
+          <p:cNvPr id="5" name="Picture 4"/>
           <p:cNvPicPr>
             <a:picLocks noChangeAspect="1"/>
           </p:cNvPicPr>
@@ -4441,8 +4536,8 @@
         </p:blipFill>
         <p:spPr>
           <a:xfrm>
-            <a:off x="323850" y="1433512"/>
-            <a:ext cx="11544300" cy="3990975"/>
+            <a:off x="266700" y="1552575"/>
+            <a:ext cx="11658600" cy="3752850"/>
           </a:xfrm>
           <a:prstGeom prst="rect">
             <a:avLst/>
@@ -4459,13 +4554,6 @@
   <p:clrMapOvr>
     <a:masterClrMapping/>
   </p:clrMapOvr>
-  <p:timing>
-    <p:tnLst>
-      <p:par>
-        <p:cTn id="1" dur="indefinite" restart="never" nodeType="tmRoot"/>
-      </p:par>
-    </p:tnLst>
-  </p:timing>
 </p:sld>
 </file>
 
@@ -4540,16 +4628,15 @@
           <a:p>
             <a:pPr algn="ctr"/>
             <a:r>
-              <a:rPr lang="en-GB" sz="6000" dirty="0" smtClean="0"/>
+              <a:rPr lang="en-GB" sz="6000" dirty="0"/>
               <a:t>Publications</a:t>
             </a:r>
-            <a:endParaRPr lang="en-GB" sz="6000" dirty="0"/>
           </a:p>
         </p:txBody>
       </p:sp>
       <p:pic>
         <p:nvPicPr>
-          <p:cNvPr id="5" name="Picture 4"/>
+          <p:cNvPr id="2" name="Picture 1"/>
           <p:cNvPicPr>
             <a:picLocks noChangeAspect="1"/>
           </p:cNvPicPr>
@@ -4563,8 +4650,8 @@
         </p:blipFill>
         <p:spPr>
           <a:xfrm>
-            <a:off x="104886" y="1250821"/>
-            <a:ext cx="11972925" cy="5181600"/>
+            <a:off x="314325" y="1535590"/>
+            <a:ext cx="11563350" cy="4752975"/>
           </a:xfrm>
           <a:prstGeom prst="rect">
             <a:avLst/>
@@ -4581,13 +4668,6 @@
   <p:clrMapOvr>
     <a:masterClrMapping/>
   </p:clrMapOvr>
-  <p:timing>
-    <p:tnLst>
-      <p:par>
-        <p:cTn id="1" dur="indefinite" restart="never" nodeType="tmRoot"/>
-      </p:par>
-    </p:tnLst>
-  </p:timing>
 </p:sld>
 </file>
 
@@ -4662,16 +4742,15 @@
           <a:p>
             <a:pPr algn="ctr"/>
             <a:r>
-              <a:rPr lang="en-GB" sz="6000" dirty="0" smtClean="0"/>
+              <a:rPr lang="en-GB" sz="6000" dirty="0"/>
               <a:t>Reports</a:t>
             </a:r>
-            <a:endParaRPr lang="en-GB" sz="6000" dirty="0"/>
           </a:p>
         </p:txBody>
       </p:sp>
       <p:pic>
         <p:nvPicPr>
-          <p:cNvPr id="2" name="Picture 1"/>
+          <p:cNvPr id="5" name="Picture 4"/>
           <p:cNvPicPr>
             <a:picLocks noChangeAspect="1"/>
           </p:cNvPicPr>
@@ -4685,8 +4764,8 @@
         </p:blipFill>
         <p:spPr>
           <a:xfrm>
-            <a:off x="266700" y="1581679"/>
-            <a:ext cx="11658600" cy="4981575"/>
+            <a:off x="242887" y="1334402"/>
+            <a:ext cx="11706225" cy="5086350"/>
           </a:xfrm>
           <a:prstGeom prst="rect">
             <a:avLst/>
@@ -4703,13 +4782,6 @@
   <p:clrMapOvr>
     <a:masterClrMapping/>
   </p:clrMapOvr>
-  <p:timing>
-    <p:tnLst>
-      <p:par>
-        <p:cTn id="1" dur="indefinite" restart="never" nodeType="tmRoot"/>
-      </p:par>
-    </p:tnLst>
-  </p:timing>
 </p:sld>
 </file>
 
@@ -4786,10 +4858,9 @@
           <a:p>
             <a:pPr algn="ctr"/>
             <a:r>
-              <a:rPr lang="en-GB" sz="6000" dirty="0" smtClean="0"/>
+              <a:rPr lang="en-GB" sz="6000" dirty="0"/>
               <a:t>Student experience</a:t>
             </a:r>
-            <a:endParaRPr lang="en-GB" sz="6000" dirty="0"/>
           </a:p>
         </p:txBody>
       </p:sp>
@@ -4803,13 +4874,6 @@
   <p:clrMapOvr>
     <a:masterClrMapping/>
   </p:clrMapOvr>
-  <p:timing>
-    <p:tnLst>
-      <p:par>
-        <p:cTn id="1" dur="indefinite" restart="never" nodeType="tmRoot"/>
-      </p:par>
-    </p:tnLst>
-  </p:timing>
 </p:sld>
 </file>
 
@@ -4884,16 +4948,15 @@
           <a:p>
             <a:pPr algn="ctr"/>
             <a:r>
-              <a:rPr lang="en-GB" sz="6000" dirty="0" smtClean="0"/>
+              <a:rPr lang="en-GB" sz="6000" dirty="0"/>
               <a:t>Login</a:t>
             </a:r>
-            <a:endParaRPr lang="en-GB" sz="6000" dirty="0"/>
           </a:p>
         </p:txBody>
       </p:sp>
       <p:pic>
         <p:nvPicPr>
-          <p:cNvPr id="2" name="Picture 1"/>
+          <p:cNvPr id="5" name="Picture 4"/>
           <p:cNvPicPr>
             <a:picLocks noChangeAspect="1"/>
           </p:cNvPicPr>
@@ -4907,8 +4970,8 @@
         </p:blipFill>
         <p:spPr>
           <a:xfrm>
-            <a:off x="381000" y="1471612"/>
-            <a:ext cx="11430000" cy="3914775"/>
+            <a:off x="519112" y="1562100"/>
+            <a:ext cx="11153775" cy="3733800"/>
           </a:xfrm>
           <a:prstGeom prst="rect">
             <a:avLst/>
@@ -4925,13 +4988,6 @@
   <p:clrMapOvr>
     <a:masterClrMapping/>
   </p:clrMapOvr>
-  <p:timing>
-    <p:tnLst>
-      <p:par>
-        <p:cTn id="1" dur="indefinite" restart="never" nodeType="tmRoot"/>
-      </p:par>
-    </p:tnLst>
-  </p:timing>
 </p:sld>
 </file>
 
@@ -5006,16 +5062,15 @@
           <a:p>
             <a:pPr algn="ctr"/>
             <a:r>
-              <a:rPr lang="en-GB" sz="6000" dirty="0" smtClean="0"/>
+              <a:rPr lang="en-GB" sz="6000" dirty="0"/>
               <a:t>Home</a:t>
             </a:r>
-            <a:endParaRPr lang="en-GB" sz="6000" dirty="0"/>
           </a:p>
         </p:txBody>
       </p:sp>
       <p:pic>
         <p:nvPicPr>
-          <p:cNvPr id="2" name="Picture 1"/>
+          <p:cNvPr id="5" name="Picture 4"/>
           <p:cNvPicPr>
             <a:picLocks noChangeAspect="1"/>
           </p:cNvPicPr>
@@ -5029,8 +5084,8 @@
         </p:blipFill>
         <p:spPr>
           <a:xfrm>
-            <a:off x="361950" y="1434569"/>
-            <a:ext cx="11468100" cy="4733925"/>
+            <a:off x="466725" y="1465504"/>
+            <a:ext cx="11258550" cy="4410075"/>
           </a:xfrm>
           <a:prstGeom prst="rect">
             <a:avLst/>
@@ -5047,13 +5102,6 @@
   <p:clrMapOvr>
     <a:masterClrMapping/>
   </p:clrMapOvr>
-  <p:timing>
-    <p:tnLst>
-      <p:par>
-        <p:cTn id="1" dur="indefinite" restart="never" nodeType="tmRoot"/>
-      </p:par>
-    </p:tnLst>
-  </p:timing>
 </p:sld>
 </file>
 
@@ -5128,16 +5176,15 @@
           <a:p>
             <a:pPr algn="ctr"/>
             <a:r>
-              <a:rPr lang="en-GB" sz="6000" dirty="0" smtClean="0"/>
+              <a:rPr lang="en-GB" sz="6000" dirty="0"/>
               <a:t>Contributing</a:t>
             </a:r>
-            <a:endParaRPr lang="en-GB" sz="6000" dirty="0"/>
           </a:p>
         </p:txBody>
       </p:sp>
       <p:pic>
         <p:nvPicPr>
-          <p:cNvPr id="2" name="Picture 1"/>
+          <p:cNvPr id="6" name="Picture 5"/>
           <p:cNvPicPr>
             <a:picLocks noChangeAspect="1"/>
           </p:cNvPicPr>
@@ -5151,8 +5198,8 @@
         </p:blipFill>
         <p:spPr>
           <a:xfrm>
-            <a:off x="338137" y="1368952"/>
-            <a:ext cx="11515725" cy="5000625"/>
+            <a:off x="313711" y="1217595"/>
+            <a:ext cx="11534775" cy="5257800"/>
           </a:xfrm>
           <a:prstGeom prst="rect">
             <a:avLst/>
@@ -5169,13 +5216,6 @@
   <p:clrMapOvr>
     <a:masterClrMapping/>
   </p:clrMapOvr>
-  <p:timing>
-    <p:tnLst>
-      <p:par>
-        <p:cTn id="1" dur="indefinite" restart="never" nodeType="tmRoot"/>
-      </p:par>
-    </p:tnLst>
-  </p:timing>
 </p:sld>
 </file>
 
@@ -5250,16 +5290,15 @@
           <a:p>
             <a:pPr algn="ctr"/>
             <a:r>
-              <a:rPr lang="en-GB" sz="6000" dirty="0" smtClean="0"/>
+              <a:rPr lang="en-GB" sz="6000" dirty="0"/>
               <a:t>Contributing</a:t>
             </a:r>
-            <a:endParaRPr lang="en-GB" sz="6000" dirty="0"/>
           </a:p>
         </p:txBody>
       </p:sp>
       <p:pic>
         <p:nvPicPr>
-          <p:cNvPr id="2" name="Picture 1"/>
+          <p:cNvPr id="5" name="Picture 4"/>
           <p:cNvPicPr>
             <a:picLocks noChangeAspect="1"/>
           </p:cNvPicPr>
@@ -5273,8 +5312,8 @@
         </p:blipFill>
         <p:spPr>
           <a:xfrm>
-            <a:off x="833964" y="1208467"/>
-            <a:ext cx="10308167" cy="5358882"/>
+            <a:off x="1216861" y="1251462"/>
+            <a:ext cx="9997476" cy="5098546"/>
           </a:xfrm>
           <a:prstGeom prst="rect">
             <a:avLst/>
@@ -5291,13 +5330,6 @@
   <p:clrMapOvr>
     <a:masterClrMapping/>
   </p:clrMapOvr>
-  <p:timing>
-    <p:tnLst>
-      <p:par>
-        <p:cTn id="1" dur="indefinite" restart="never" nodeType="tmRoot"/>
-      </p:par>
-    </p:tnLst>
-  </p:timing>
 </p:sld>
 </file>
 
@@ -5372,16 +5404,15 @@
           <a:p>
             <a:pPr algn="ctr"/>
             <a:r>
-              <a:rPr lang="en-GB" sz="6000" dirty="0" smtClean="0"/>
-              <a:t>Contributing</a:t>
-            </a:r>
-            <a:endParaRPr lang="en-GB" sz="6000" dirty="0"/>
+              <a:rPr lang="en-GB" sz="6000" dirty="0"/>
+              <a:t>T’s &amp; C’s</a:t>
+            </a:r>
           </a:p>
         </p:txBody>
       </p:sp>
       <p:pic>
         <p:nvPicPr>
-          <p:cNvPr id="2" name="Picture 1"/>
+          <p:cNvPr id="6" name="Picture 5"/>
           <p:cNvPicPr>
             <a:picLocks noChangeAspect="1"/>
           </p:cNvPicPr>
@@ -5395,8 +5426,8 @@
         </p:blipFill>
         <p:spPr>
           <a:xfrm>
-            <a:off x="1279532" y="1306767"/>
-            <a:ext cx="9727142" cy="5232145"/>
+            <a:off x="333375" y="1495425"/>
+            <a:ext cx="11525250" cy="3867150"/>
           </a:xfrm>
           <a:prstGeom prst="rect">
             <a:avLst/>
@@ -5406,20 +5437,13 @@
     </p:spTree>
     <p:extLst>
       <p:ext uri="{BB962C8B-B14F-4D97-AF65-F5344CB8AC3E}">
-        <p14:creationId xmlns:p14="http://schemas.microsoft.com/office/powerpoint/2010/main" val="3644530139"/>
+        <p14:creationId xmlns:p14="http://schemas.microsoft.com/office/powerpoint/2010/main" val="2605947521"/>
       </p:ext>
     </p:extLst>
   </p:cSld>
   <p:clrMapOvr>
     <a:masterClrMapping/>
   </p:clrMapOvr>
-  <p:timing>
-    <p:tnLst>
-      <p:par>
-        <p:cTn id="1" dur="indefinite" restart="never" nodeType="tmRoot"/>
-      </p:par>
-    </p:tnLst>
-  </p:timing>
 </p:sld>
 </file>
 
@@ -5494,16 +5518,15 @@
           <a:p>
             <a:pPr algn="ctr"/>
             <a:r>
-              <a:rPr lang="en-GB" sz="6000" dirty="0" smtClean="0"/>
-              <a:t>T’s &amp; C’s</a:t>
-            </a:r>
-            <a:endParaRPr lang="en-GB" sz="6000" dirty="0"/>
+              <a:rPr lang="en-GB" sz="6000" dirty="0"/>
+              <a:t>Reports</a:t>
+            </a:r>
           </a:p>
         </p:txBody>
       </p:sp>
       <p:pic>
         <p:nvPicPr>
-          <p:cNvPr id="2" name="Picture 1"/>
+          <p:cNvPr id="5" name="Picture 4"/>
           <p:cNvPicPr>
             <a:picLocks noChangeAspect="1"/>
           </p:cNvPicPr>
@@ -5517,8 +5540,8 @@
         </p:blipFill>
         <p:spPr>
           <a:xfrm>
-            <a:off x="428625" y="1862137"/>
-            <a:ext cx="11334750" cy="3133725"/>
+            <a:off x="357187" y="1409967"/>
+            <a:ext cx="11477625" cy="5038725"/>
           </a:xfrm>
           <a:prstGeom prst="rect">
             <a:avLst/>
@@ -5528,20 +5551,13 @@
     </p:spTree>
     <p:extLst>
       <p:ext uri="{BB962C8B-B14F-4D97-AF65-F5344CB8AC3E}">
-        <p14:creationId xmlns:p14="http://schemas.microsoft.com/office/powerpoint/2010/main" val="2605947521"/>
+        <p14:creationId xmlns:p14="http://schemas.microsoft.com/office/powerpoint/2010/main" val="2823502714"/>
       </p:ext>
     </p:extLst>
   </p:cSld>
   <p:clrMapOvr>
     <a:masterClrMapping/>
   </p:clrMapOvr>
-  <p:timing>
-    <p:tnLst>
-      <p:par>
-        <p:cTn id="1" dur="indefinite" restart="never" nodeType="tmRoot"/>
-      </p:par>
-    </p:tnLst>
-  </p:timing>
 </p:sld>
 </file>
 
@@ -5618,10 +5634,9 @@
           <a:p>
             <a:pPr algn="ctr"/>
             <a:r>
-              <a:rPr lang="en-GB" sz="6000" dirty="0" smtClean="0"/>
+              <a:rPr lang="en-GB" sz="6000" dirty="0"/>
               <a:t>About us</a:t>
             </a:r>
-            <a:endParaRPr lang="en-GB" sz="6000" dirty="0"/>
           </a:p>
         </p:txBody>
       </p:sp>
@@ -5635,13 +5650,6 @@
   <p:clrMapOvr>
     <a:masterClrMapping/>
   </p:clrMapOvr>
-  <p:timing>
-    <p:tnLst>
-      <p:par>
-        <p:cTn id="1" dur="indefinite" restart="never" nodeType="tmRoot"/>
-      </p:par>
-    </p:tnLst>
-  </p:timing>
 </p:sld>
 </file>
 
@@ -5716,10 +5724,9 @@
           <a:p>
             <a:pPr algn="ctr"/>
             <a:r>
-              <a:rPr lang="en-GB" sz="6000" dirty="0" smtClean="0"/>
-              <a:t>Reports</a:t>
-            </a:r>
-            <a:endParaRPr lang="en-GB" sz="6000" dirty="0"/>
+              <a:rPr lang="en-GB" sz="6000" dirty="0"/>
+              <a:t>Publications</a:t>
+            </a:r>
           </a:p>
         </p:txBody>
       </p:sp>
@@ -5739,8 +5746,8 @@
         </p:blipFill>
         <p:spPr>
           <a:xfrm>
-            <a:off x="400050" y="1638300"/>
-            <a:ext cx="11391900" cy="3581400"/>
+            <a:off x="290512" y="1377262"/>
+            <a:ext cx="11610975" cy="5000625"/>
           </a:xfrm>
           <a:prstGeom prst="rect">
             <a:avLst/>
@@ -5750,20 +5757,13 @@
     </p:spTree>
     <p:extLst>
       <p:ext uri="{BB962C8B-B14F-4D97-AF65-F5344CB8AC3E}">
-        <p14:creationId xmlns:p14="http://schemas.microsoft.com/office/powerpoint/2010/main" val="2823502714"/>
+        <p14:creationId xmlns:p14="http://schemas.microsoft.com/office/powerpoint/2010/main" val="1113957598"/>
       </p:ext>
     </p:extLst>
   </p:cSld>
   <p:clrMapOvr>
     <a:masterClrMapping/>
   </p:clrMapOvr>
-  <p:timing>
-    <p:tnLst>
-      <p:par>
-        <p:cTn id="1" dur="indefinite" restart="never" nodeType="tmRoot"/>
-      </p:par>
-    </p:tnLst>
-  </p:timing>
 </p:sld>
 </file>
 
@@ -5793,7 +5793,7 @@
           <p:nvPr/>
         </p:nvPicPr>
         <p:blipFill>
-          <a:blip r:embed="rId2">
+          <a:blip r:embed="rId3">
             <a:extLst>
               <a:ext uri="{28A0092B-C50C-407E-A947-70E740481C1C}">
                 <a14:useLocalDpi xmlns:a14="http://schemas.microsoft.com/office/drawing/2010/main" val="0"/>
@@ -5822,13 +5822,15 @@
         </p:nvSpPr>
         <p:spPr>
           <a:xfrm>
-            <a:off x="244699" y="103915"/>
-            <a:ext cx="11693301" cy="1015663"/>
-          </a:xfrm>
-          <a:prstGeom prst="rect">
-            <a:avLst/>
-          </a:prstGeom>
-          <a:noFill/>
+            <a:off x="244699" y="2459504"/>
+            <a:ext cx="11608634" cy="1938992"/>
+          </a:xfrm>
+          <a:prstGeom prst="rect">
+            <a:avLst/>
+          </a:prstGeom>
+          <a:solidFill>
+            <a:schemeClr val="bg2"/>
+          </a:solidFill>
         </p:spPr>
         <p:txBody>
           <a:bodyPr wrap="square" rtlCol="0">
@@ -5838,54 +5840,29 @@
           <a:p>
             <a:pPr algn="ctr"/>
             <a:r>
-              <a:rPr lang="en-GB" sz="6000" dirty="0" smtClean="0"/>
-              <a:t>Publications</a:t>
-            </a:r>
-            <a:endParaRPr lang="en-GB" sz="6000" dirty="0"/>
-          </a:p>
-        </p:txBody>
-      </p:sp>
-      <p:pic>
-        <p:nvPicPr>
-          <p:cNvPr id="5" name="Picture 4"/>
-          <p:cNvPicPr>
-            <a:picLocks noChangeAspect="1"/>
-          </p:cNvPicPr>
-          <p:nvPr/>
-        </p:nvPicPr>
-        <p:blipFill>
-          <a:blip r:embed="rId3"/>
-          <a:stretch>
-            <a:fillRect/>
-          </a:stretch>
-        </p:blipFill>
-        <p:spPr>
-          <a:xfrm>
-            <a:off x="104886" y="1250821"/>
-            <a:ext cx="11972925" cy="5181600"/>
-          </a:xfrm>
-          <a:prstGeom prst="rect">
-            <a:avLst/>
-          </a:prstGeom>
-        </p:spPr>
-      </p:pic>
+              <a:rPr lang="en-GB" sz="6000" dirty="0"/>
+              <a:t>Marketing Coordinator </a:t>
+            </a:r>
+          </a:p>
+          <a:p>
+            <a:pPr algn="ctr"/>
+            <a:r>
+              <a:rPr lang="en-GB" sz="6000" dirty="0"/>
+              <a:t>experience</a:t>
+            </a:r>
+          </a:p>
+        </p:txBody>
+      </p:sp>
     </p:spTree>
     <p:extLst>
       <p:ext uri="{BB962C8B-B14F-4D97-AF65-F5344CB8AC3E}">
-        <p14:creationId xmlns:p14="http://schemas.microsoft.com/office/powerpoint/2010/main" val="1113957598"/>
+        <p14:creationId xmlns:p14="http://schemas.microsoft.com/office/powerpoint/2010/main" val="48957845"/>
       </p:ext>
     </p:extLst>
   </p:cSld>
   <p:clrMapOvr>
     <a:masterClrMapping/>
   </p:clrMapOvr>
-  <p:timing>
-    <p:tnLst>
-      <p:par>
-        <p:cTn id="1" dur="indefinite" restart="never" nodeType="tmRoot"/>
-      </p:par>
-    </p:tnLst>
-  </p:timing>
 </p:sld>
 </file>
 
@@ -5915,7 +5892,7 @@
           <p:nvPr/>
         </p:nvPicPr>
         <p:blipFill>
-          <a:blip r:embed="rId3">
+          <a:blip r:embed="rId2">
             <a:extLst>
               <a:ext uri="{28A0092B-C50C-407E-A947-70E740481C1C}">
                 <a14:useLocalDpi xmlns:a14="http://schemas.microsoft.com/office/drawing/2010/main" val="0"/>
@@ -5944,15 +5921,13 @@
         </p:nvSpPr>
         <p:spPr>
           <a:xfrm>
-            <a:off x="244699" y="2459504"/>
-            <a:ext cx="11608634" cy="1938992"/>
-          </a:xfrm>
-          <a:prstGeom prst="rect">
-            <a:avLst/>
-          </a:prstGeom>
-          <a:solidFill>
-            <a:schemeClr val="bg2"/>
-          </a:solidFill>
+            <a:off x="244699" y="103915"/>
+            <a:ext cx="11693301" cy="1015663"/>
+          </a:xfrm>
+          <a:prstGeom prst="rect">
+            <a:avLst/>
+          </a:prstGeom>
+          <a:noFill/>
         </p:spPr>
         <p:txBody>
           <a:bodyPr wrap="square" rtlCol="0">
@@ -5962,37 +5937,46 @@
           <a:p>
             <a:pPr algn="ctr"/>
             <a:r>
-              <a:rPr lang="en-GB" sz="6000" dirty="0" smtClean="0"/>
-              <a:t>Marketing Coordinator </a:t>
-            </a:r>
-          </a:p>
-          <a:p>
-            <a:pPr algn="ctr"/>
-            <a:r>
-              <a:rPr lang="en-GB" sz="6000" dirty="0" smtClean="0"/>
-              <a:t>experience</a:t>
-            </a:r>
-            <a:endParaRPr lang="en-GB" sz="6000" dirty="0"/>
-          </a:p>
-        </p:txBody>
-      </p:sp>
+              <a:rPr lang="en-GB" sz="6000" dirty="0"/>
+              <a:t>Login</a:t>
+            </a:r>
+          </a:p>
+        </p:txBody>
+      </p:sp>
+      <p:pic>
+        <p:nvPicPr>
+          <p:cNvPr id="5" name="Picture 4"/>
+          <p:cNvPicPr>
+            <a:picLocks noChangeAspect="1"/>
+          </p:cNvPicPr>
+          <p:nvPr/>
+        </p:nvPicPr>
+        <p:blipFill>
+          <a:blip r:embed="rId3"/>
+          <a:stretch>
+            <a:fillRect/>
+          </a:stretch>
+        </p:blipFill>
+        <p:spPr>
+          <a:xfrm>
+            <a:off x="409575" y="1647196"/>
+            <a:ext cx="11372850" cy="3667125"/>
+          </a:xfrm>
+          <a:prstGeom prst="rect">
+            <a:avLst/>
+          </a:prstGeom>
+        </p:spPr>
+      </p:pic>
     </p:spTree>
     <p:extLst>
       <p:ext uri="{BB962C8B-B14F-4D97-AF65-F5344CB8AC3E}">
-        <p14:creationId xmlns:p14="http://schemas.microsoft.com/office/powerpoint/2010/main" val="48957845"/>
+        <p14:creationId xmlns:p14="http://schemas.microsoft.com/office/powerpoint/2010/main" val="3804345550"/>
       </p:ext>
     </p:extLst>
   </p:cSld>
   <p:clrMapOvr>
     <a:masterClrMapping/>
   </p:clrMapOvr>
-  <p:timing>
-    <p:tnLst>
-      <p:par>
-        <p:cTn id="1" dur="indefinite" restart="never" nodeType="tmRoot"/>
-      </p:par>
-    </p:tnLst>
-  </p:timing>
 </p:sld>
 </file>
 
@@ -6067,16 +6051,15 @@
           <a:p>
             <a:pPr algn="ctr"/>
             <a:r>
-              <a:rPr lang="en-GB" sz="6000" dirty="0" smtClean="0"/>
-              <a:t>Login</a:t>
-            </a:r>
-            <a:endParaRPr lang="en-GB" sz="6000" dirty="0"/>
+              <a:rPr lang="en-GB" sz="6000" dirty="0"/>
+              <a:t>Home</a:t>
+            </a:r>
           </a:p>
         </p:txBody>
       </p:sp>
       <p:pic>
         <p:nvPicPr>
-          <p:cNvPr id="2" name="Picture 1"/>
+          <p:cNvPr id="5" name="Picture 4"/>
           <p:cNvPicPr>
             <a:picLocks noChangeAspect="1"/>
           </p:cNvPicPr>
@@ -6090,8 +6073,8 @@
         </p:blipFill>
         <p:spPr>
           <a:xfrm>
-            <a:off x="276225" y="1495425"/>
-            <a:ext cx="11639550" cy="3867150"/>
+            <a:off x="290512" y="1372680"/>
+            <a:ext cx="11610975" cy="4457700"/>
           </a:xfrm>
           <a:prstGeom prst="rect">
             <a:avLst/>
@@ -6101,20 +6084,13 @@
     </p:spTree>
     <p:extLst>
       <p:ext uri="{BB962C8B-B14F-4D97-AF65-F5344CB8AC3E}">
-        <p14:creationId xmlns:p14="http://schemas.microsoft.com/office/powerpoint/2010/main" val="3804345550"/>
+        <p14:creationId xmlns:p14="http://schemas.microsoft.com/office/powerpoint/2010/main" val="441276206"/>
       </p:ext>
     </p:extLst>
   </p:cSld>
   <p:clrMapOvr>
     <a:masterClrMapping/>
   </p:clrMapOvr>
-  <p:timing>
-    <p:tnLst>
-      <p:par>
-        <p:cTn id="1" dur="indefinite" restart="never" nodeType="tmRoot"/>
-      </p:par>
-    </p:tnLst>
-  </p:timing>
 </p:sld>
 </file>
 
@@ -6189,16 +6165,15 @@
           <a:p>
             <a:pPr algn="ctr"/>
             <a:r>
-              <a:rPr lang="en-GB" sz="6000" dirty="0" smtClean="0"/>
-              <a:t>Home</a:t>
-            </a:r>
-            <a:endParaRPr lang="en-GB" sz="6000" dirty="0"/>
+              <a:rPr lang="en-GB" sz="6000" dirty="0"/>
+              <a:t>Submissions</a:t>
+            </a:r>
           </a:p>
         </p:txBody>
       </p:sp>
       <p:pic>
         <p:nvPicPr>
-          <p:cNvPr id="2" name="Picture 1"/>
+          <p:cNvPr id="5" name="Picture 4"/>
           <p:cNvPicPr>
             <a:picLocks noChangeAspect="1"/>
           </p:cNvPicPr>
@@ -6212,8 +6187,8 @@
         </p:blipFill>
         <p:spPr>
           <a:xfrm>
-            <a:off x="285750" y="1561571"/>
-            <a:ext cx="11620500" cy="4886325"/>
+            <a:off x="1149671" y="1425155"/>
+            <a:ext cx="9883356" cy="4957670"/>
           </a:xfrm>
           <a:prstGeom prst="rect">
             <a:avLst/>
@@ -6223,20 +6198,13 @@
     </p:spTree>
     <p:extLst>
       <p:ext uri="{BB962C8B-B14F-4D97-AF65-F5344CB8AC3E}">
-        <p14:creationId xmlns:p14="http://schemas.microsoft.com/office/powerpoint/2010/main" val="441276206"/>
+        <p14:creationId xmlns:p14="http://schemas.microsoft.com/office/powerpoint/2010/main" val="363532227"/>
       </p:ext>
     </p:extLst>
   </p:cSld>
   <p:clrMapOvr>
     <a:masterClrMapping/>
   </p:clrMapOvr>
-  <p:timing>
-    <p:tnLst>
-      <p:par>
-        <p:cTn id="1" dur="indefinite" restart="never" nodeType="tmRoot"/>
-      </p:par>
-    </p:tnLst>
-  </p:timing>
 </p:sld>
 </file>
 
@@ -6311,16 +6279,15 @@
           <a:p>
             <a:pPr algn="ctr"/>
             <a:r>
-              <a:rPr lang="en-GB" sz="6000" dirty="0" smtClean="0"/>
-              <a:t>Submissions</a:t>
-            </a:r>
-            <a:endParaRPr lang="en-GB" sz="6000" dirty="0"/>
+              <a:rPr lang="en-GB" sz="6000" dirty="0"/>
+              <a:t>Feedback</a:t>
+            </a:r>
           </a:p>
         </p:txBody>
       </p:sp>
       <p:pic>
         <p:nvPicPr>
-          <p:cNvPr id="2" name="Picture 1"/>
+          <p:cNvPr id="5" name="Picture 4"/>
           <p:cNvPicPr>
             <a:picLocks noChangeAspect="1"/>
           </p:cNvPicPr>
@@ -6334,8 +6301,8 @@
         </p:blipFill>
         <p:spPr>
           <a:xfrm>
-            <a:off x="1422399" y="1119578"/>
-            <a:ext cx="9194800" cy="5640889"/>
+            <a:off x="452437" y="1323706"/>
+            <a:ext cx="11287125" cy="5038725"/>
           </a:xfrm>
           <a:prstGeom prst="rect">
             <a:avLst/>
@@ -6345,20 +6312,13 @@
     </p:spTree>
     <p:extLst>
       <p:ext uri="{BB962C8B-B14F-4D97-AF65-F5344CB8AC3E}">
-        <p14:creationId xmlns:p14="http://schemas.microsoft.com/office/powerpoint/2010/main" val="363532227"/>
+        <p14:creationId xmlns:p14="http://schemas.microsoft.com/office/powerpoint/2010/main" val="624194084"/>
       </p:ext>
     </p:extLst>
   </p:cSld>
   <p:clrMapOvr>
     <a:masterClrMapping/>
   </p:clrMapOvr>
-  <p:timing>
-    <p:tnLst>
-      <p:par>
-        <p:cTn id="1" dur="indefinite" restart="never" nodeType="tmRoot"/>
-      </p:par>
-    </p:tnLst>
-  </p:timing>
 </p:sld>
 </file>
 
@@ -6433,10 +6393,9 @@
           <a:p>
             <a:pPr algn="ctr"/>
             <a:r>
-              <a:rPr lang="en-GB" sz="6000" dirty="0" smtClean="0"/>
-              <a:t>Feedback</a:t>
-            </a:r>
-            <a:endParaRPr lang="en-GB" sz="6000" dirty="0"/>
+              <a:rPr lang="en-GB" sz="6000" dirty="0"/>
+              <a:t>Reports</a:t>
+            </a:r>
           </a:p>
         </p:txBody>
       </p:sp>
@@ -6456,8 +6415,32 @@
         </p:blipFill>
         <p:spPr>
           <a:xfrm>
-            <a:off x="381000" y="1331911"/>
-            <a:ext cx="11430000" cy="5210175"/>
+            <a:off x="400050" y="1638300"/>
+            <a:ext cx="11391900" cy="3581400"/>
+          </a:xfrm>
+          <a:prstGeom prst="rect">
+            <a:avLst/>
+          </a:prstGeom>
+        </p:spPr>
+      </p:pic>
+      <p:pic>
+        <p:nvPicPr>
+          <p:cNvPr id="5" name="Picture 4"/>
+          <p:cNvPicPr>
+            <a:picLocks noChangeAspect="1"/>
+          </p:cNvPicPr>
+          <p:nvPr/>
+        </p:nvPicPr>
+        <p:blipFill>
+          <a:blip r:embed="rId4"/>
+          <a:stretch>
+            <a:fillRect/>
+          </a:stretch>
+        </p:blipFill>
+        <p:spPr>
+          <a:xfrm>
+            <a:off x="357187" y="1409967"/>
+            <a:ext cx="11477625" cy="5038725"/>
           </a:xfrm>
           <a:prstGeom prst="rect">
             <a:avLst/>
@@ -6467,20 +6450,13 @@
     </p:spTree>
     <p:extLst>
       <p:ext uri="{BB962C8B-B14F-4D97-AF65-F5344CB8AC3E}">
-        <p14:creationId xmlns:p14="http://schemas.microsoft.com/office/powerpoint/2010/main" val="624194084"/>
+        <p14:creationId xmlns:p14="http://schemas.microsoft.com/office/powerpoint/2010/main" val="2978753286"/>
       </p:ext>
     </p:extLst>
   </p:cSld>
   <p:clrMapOvr>
     <a:masterClrMapping/>
   </p:clrMapOvr>
-  <p:timing>
-    <p:tnLst>
-      <p:par>
-        <p:cTn id="1" dur="indefinite" restart="never" nodeType="tmRoot"/>
-      </p:par>
-    </p:tnLst>
-  </p:timing>
 </p:sld>
 </file>
 
@@ -6555,16 +6531,15 @@
           <a:p>
             <a:pPr algn="ctr"/>
             <a:r>
-              <a:rPr lang="en-GB" sz="6000" dirty="0" smtClean="0"/>
-              <a:t>Reports</a:t>
-            </a:r>
-            <a:endParaRPr lang="en-GB" sz="6000" dirty="0"/>
+              <a:rPr lang="en-GB" sz="6000" dirty="0"/>
+              <a:t>Publications</a:t>
+            </a:r>
           </a:p>
         </p:txBody>
       </p:sp>
       <p:pic>
         <p:nvPicPr>
-          <p:cNvPr id="2" name="Picture 1"/>
+          <p:cNvPr id="6" name="Picture 5"/>
           <p:cNvPicPr>
             <a:picLocks noChangeAspect="1"/>
           </p:cNvPicPr>
@@ -6578,8 +6553,8 @@
         </p:blipFill>
         <p:spPr>
           <a:xfrm>
-            <a:off x="400050" y="1638300"/>
-            <a:ext cx="11391900" cy="3581400"/>
+            <a:off x="290512" y="1377262"/>
+            <a:ext cx="11610975" cy="5000625"/>
           </a:xfrm>
           <a:prstGeom prst="rect">
             <a:avLst/>
@@ -6589,20 +6564,13 @@
     </p:spTree>
     <p:extLst>
       <p:ext uri="{BB962C8B-B14F-4D97-AF65-F5344CB8AC3E}">
-        <p14:creationId xmlns:p14="http://schemas.microsoft.com/office/powerpoint/2010/main" val="2978753286"/>
+        <p14:creationId xmlns:p14="http://schemas.microsoft.com/office/powerpoint/2010/main" val="3475604840"/>
       </p:ext>
     </p:extLst>
   </p:cSld>
   <p:clrMapOvr>
     <a:masterClrMapping/>
   </p:clrMapOvr>
-  <p:timing>
-    <p:tnLst>
-      <p:par>
-        <p:cTn id="1" dur="indefinite" restart="never" nodeType="tmRoot"/>
-      </p:par>
-    </p:tnLst>
-  </p:timing>
 </p:sld>
 </file>
 
@@ -6632,7 +6600,7 @@
           <p:nvPr/>
         </p:nvPicPr>
         <p:blipFill>
-          <a:blip r:embed="rId2">
+          <a:blip r:embed="rId3">
             <a:extLst>
               <a:ext uri="{28A0092B-C50C-407E-A947-70E740481C1C}">
                 <a14:useLocalDpi xmlns:a14="http://schemas.microsoft.com/office/drawing/2010/main" val="0"/>
@@ -6661,13 +6629,15 @@
         </p:nvSpPr>
         <p:spPr>
           <a:xfrm>
-            <a:off x="244699" y="103915"/>
-            <a:ext cx="11693301" cy="1015663"/>
-          </a:xfrm>
-          <a:prstGeom prst="rect">
-            <a:avLst/>
-          </a:prstGeom>
-          <a:noFill/>
+            <a:off x="244699" y="2459504"/>
+            <a:ext cx="11608634" cy="1938992"/>
+          </a:xfrm>
+          <a:prstGeom prst="rect">
+            <a:avLst/>
+          </a:prstGeom>
+          <a:solidFill>
+            <a:schemeClr val="bg2"/>
+          </a:solidFill>
         </p:spPr>
         <p:txBody>
           <a:bodyPr wrap="square" rtlCol="0">
@@ -6677,54 +6647,29 @@
           <a:p>
             <a:pPr algn="ctr"/>
             <a:r>
-              <a:rPr lang="en-GB" sz="6000" dirty="0" smtClean="0"/>
-              <a:t>Publications</a:t>
-            </a:r>
-            <a:endParaRPr lang="en-GB" sz="6000" dirty="0"/>
-          </a:p>
-        </p:txBody>
-      </p:sp>
-      <p:pic>
-        <p:nvPicPr>
-          <p:cNvPr id="5" name="Picture 4"/>
-          <p:cNvPicPr>
-            <a:picLocks noChangeAspect="1"/>
-          </p:cNvPicPr>
-          <p:nvPr/>
-        </p:nvPicPr>
-        <p:blipFill>
-          <a:blip r:embed="rId3"/>
-          <a:stretch>
-            <a:fillRect/>
-          </a:stretch>
-        </p:blipFill>
-        <p:spPr>
-          <a:xfrm>
-            <a:off x="104886" y="1250821"/>
-            <a:ext cx="11972925" cy="5181600"/>
-          </a:xfrm>
-          <a:prstGeom prst="rect">
-            <a:avLst/>
-          </a:prstGeom>
-        </p:spPr>
-      </p:pic>
+              <a:rPr lang="en-GB" sz="6000" dirty="0"/>
+              <a:t>Marketing Manager</a:t>
+            </a:r>
+          </a:p>
+          <a:p>
+            <a:pPr algn="ctr"/>
+            <a:r>
+              <a:rPr lang="en-GB" sz="6000" dirty="0"/>
+              <a:t>experience</a:t>
+            </a:r>
+          </a:p>
+        </p:txBody>
+      </p:sp>
     </p:spTree>
     <p:extLst>
       <p:ext uri="{BB962C8B-B14F-4D97-AF65-F5344CB8AC3E}">
-        <p14:creationId xmlns:p14="http://schemas.microsoft.com/office/powerpoint/2010/main" val="3475604840"/>
+        <p14:creationId xmlns:p14="http://schemas.microsoft.com/office/powerpoint/2010/main" val="3686879313"/>
       </p:ext>
     </p:extLst>
   </p:cSld>
   <p:clrMapOvr>
     <a:masterClrMapping/>
   </p:clrMapOvr>
-  <p:timing>
-    <p:tnLst>
-      <p:par>
-        <p:cTn id="1" dur="indefinite" restart="never" nodeType="tmRoot"/>
-      </p:par>
-    </p:tnLst>
-  </p:timing>
 </p:sld>
 </file>
 
@@ -6754,7 +6699,7 @@
           <p:nvPr/>
         </p:nvPicPr>
         <p:blipFill>
-          <a:blip r:embed="rId3">
+          <a:blip r:embed="rId2">
             <a:extLst>
               <a:ext uri="{28A0092B-C50C-407E-A947-70E740481C1C}">
                 <a14:useLocalDpi xmlns:a14="http://schemas.microsoft.com/office/drawing/2010/main" val="0"/>
@@ -6783,15 +6728,13 @@
         </p:nvSpPr>
         <p:spPr>
           <a:xfrm>
-            <a:off x="244699" y="2459504"/>
-            <a:ext cx="11608634" cy="1938992"/>
-          </a:xfrm>
-          <a:prstGeom prst="rect">
-            <a:avLst/>
-          </a:prstGeom>
-          <a:solidFill>
-            <a:schemeClr val="bg2"/>
-          </a:solidFill>
+            <a:off x="244699" y="103915"/>
+            <a:ext cx="11693301" cy="1015663"/>
+          </a:xfrm>
+          <a:prstGeom prst="rect">
+            <a:avLst/>
+          </a:prstGeom>
+          <a:noFill/>
         </p:spPr>
         <p:txBody>
           <a:bodyPr wrap="square" rtlCol="0">
@@ -6801,37 +6744,46 @@
           <a:p>
             <a:pPr algn="ctr"/>
             <a:r>
-              <a:rPr lang="en-GB" sz="6000" dirty="0" smtClean="0"/>
-              <a:t>Marketing Manager</a:t>
-            </a:r>
-          </a:p>
-          <a:p>
-            <a:pPr algn="ctr"/>
-            <a:r>
-              <a:rPr lang="en-GB" sz="6000" dirty="0" smtClean="0"/>
-              <a:t>experience</a:t>
-            </a:r>
-            <a:endParaRPr lang="en-GB" sz="6000" dirty="0"/>
-          </a:p>
-        </p:txBody>
-      </p:sp>
+              <a:rPr lang="en-GB" sz="6000" dirty="0"/>
+              <a:t>Login</a:t>
+            </a:r>
+          </a:p>
+        </p:txBody>
+      </p:sp>
+      <p:pic>
+        <p:nvPicPr>
+          <p:cNvPr id="5" name="Picture 4"/>
+          <p:cNvPicPr>
+            <a:picLocks noChangeAspect="1"/>
+          </p:cNvPicPr>
+          <p:nvPr/>
+        </p:nvPicPr>
+        <p:blipFill>
+          <a:blip r:embed="rId3"/>
+          <a:stretch>
+            <a:fillRect/>
+          </a:stretch>
+        </p:blipFill>
+        <p:spPr>
+          <a:xfrm>
+            <a:off x="504825" y="1731664"/>
+            <a:ext cx="11182350" cy="3705225"/>
+          </a:xfrm>
+          <a:prstGeom prst="rect">
+            <a:avLst/>
+          </a:prstGeom>
+        </p:spPr>
+      </p:pic>
     </p:spTree>
     <p:extLst>
       <p:ext uri="{BB962C8B-B14F-4D97-AF65-F5344CB8AC3E}">
-        <p14:creationId xmlns:p14="http://schemas.microsoft.com/office/powerpoint/2010/main" val="3686879313"/>
+        <p14:creationId xmlns:p14="http://schemas.microsoft.com/office/powerpoint/2010/main" val="227254688"/>
       </p:ext>
     </p:extLst>
   </p:cSld>
   <p:clrMapOvr>
     <a:masterClrMapping/>
   </p:clrMapOvr>
-  <p:timing>
-    <p:tnLst>
-      <p:par>
-        <p:cTn id="1" dur="indefinite" restart="never" nodeType="tmRoot"/>
-      </p:par>
-    </p:tnLst>
-  </p:timing>
 </p:sld>
 </file>
 
@@ -6908,10 +6860,9 @@
           <a:p>
             <a:pPr algn="ctr"/>
             <a:r>
-              <a:rPr lang="en-GB" sz="6000" dirty="0" smtClean="0"/>
+              <a:rPr lang="en-GB" sz="6000" dirty="0"/>
               <a:t>About the project</a:t>
             </a:r>
-            <a:endParaRPr lang="en-GB" sz="6000" dirty="0"/>
           </a:p>
         </p:txBody>
       </p:sp>
@@ -6925,13 +6876,6 @@
   <p:clrMapOvr>
     <a:masterClrMapping/>
   </p:clrMapOvr>
-  <p:timing>
-    <p:tnLst>
-      <p:par>
-        <p:cTn id="1" dur="indefinite" restart="never" nodeType="tmRoot"/>
-      </p:par>
-    </p:tnLst>
-  </p:timing>
 </p:sld>
 </file>
 
@@ -7006,16 +6950,15 @@
           <a:p>
             <a:pPr algn="ctr"/>
             <a:r>
-              <a:rPr lang="en-GB" sz="6000" dirty="0" smtClean="0"/>
-              <a:t>Login</a:t>
-            </a:r>
-            <a:endParaRPr lang="en-GB" sz="6000" dirty="0"/>
+              <a:rPr lang="en-GB" sz="6000" dirty="0"/>
+              <a:t>Home</a:t>
+            </a:r>
           </a:p>
         </p:txBody>
       </p:sp>
       <p:pic>
         <p:nvPicPr>
-          <p:cNvPr id="2" name="Picture 1"/>
+          <p:cNvPr id="5" name="Picture 4"/>
           <p:cNvPicPr>
             <a:picLocks noChangeAspect="1"/>
           </p:cNvPicPr>
@@ -7029,8 +6972,8 @@
         </p:blipFill>
         <p:spPr>
           <a:xfrm>
-            <a:off x="514350" y="1563686"/>
-            <a:ext cx="11163300" cy="3933825"/>
+            <a:off x="300037" y="1541164"/>
+            <a:ext cx="11591925" cy="4086225"/>
           </a:xfrm>
           <a:prstGeom prst="rect">
             <a:avLst/>
@@ -7040,20 +6983,13 @@
     </p:spTree>
     <p:extLst>
       <p:ext uri="{BB962C8B-B14F-4D97-AF65-F5344CB8AC3E}">
-        <p14:creationId xmlns:p14="http://schemas.microsoft.com/office/powerpoint/2010/main" val="227254688"/>
+        <p14:creationId xmlns:p14="http://schemas.microsoft.com/office/powerpoint/2010/main" val="3730816095"/>
       </p:ext>
     </p:extLst>
   </p:cSld>
   <p:clrMapOvr>
     <a:masterClrMapping/>
   </p:clrMapOvr>
-  <p:timing>
-    <p:tnLst>
-      <p:par>
-        <p:cTn id="1" dur="indefinite" restart="never" nodeType="tmRoot"/>
-      </p:par>
-    </p:tnLst>
-  </p:timing>
 </p:sld>
 </file>
 
@@ -7128,16 +7064,15 @@
           <a:p>
             <a:pPr algn="ctr"/>
             <a:r>
-              <a:rPr lang="en-GB" sz="6000" dirty="0" smtClean="0"/>
-              <a:t>Home</a:t>
-            </a:r>
-            <a:endParaRPr lang="en-GB" sz="6000" dirty="0"/>
+              <a:rPr lang="en-GB" sz="6000" dirty="0"/>
+              <a:t>Reports</a:t>
+            </a:r>
           </a:p>
         </p:txBody>
       </p:sp>
       <p:pic>
         <p:nvPicPr>
-          <p:cNvPr id="2" name="Picture 1"/>
+          <p:cNvPr id="5" name="Picture 4"/>
           <p:cNvPicPr>
             <a:picLocks noChangeAspect="1"/>
           </p:cNvPicPr>
@@ -7151,8 +7086,8 @@
         </p:blipFill>
         <p:spPr>
           <a:xfrm>
-            <a:off x="428625" y="1329793"/>
-            <a:ext cx="11334750" cy="4638675"/>
+            <a:off x="787406" y="1390125"/>
+            <a:ext cx="10607885" cy="4851328"/>
           </a:xfrm>
           <a:prstGeom prst="rect">
             <a:avLst/>
@@ -7162,20 +7097,13 @@
     </p:spTree>
     <p:extLst>
       <p:ext uri="{BB962C8B-B14F-4D97-AF65-F5344CB8AC3E}">
-        <p14:creationId xmlns:p14="http://schemas.microsoft.com/office/powerpoint/2010/main" val="3730816095"/>
+        <p14:creationId xmlns:p14="http://schemas.microsoft.com/office/powerpoint/2010/main" val="3428212518"/>
       </p:ext>
     </p:extLst>
   </p:cSld>
   <p:clrMapOvr>
     <a:masterClrMapping/>
   </p:clrMapOvr>
-  <p:timing>
-    <p:tnLst>
-      <p:par>
-        <p:cTn id="1" dur="indefinite" restart="never" nodeType="tmRoot"/>
-      </p:par>
-    </p:tnLst>
-  </p:timing>
 </p:sld>
 </file>
 
@@ -7250,16 +7178,15 @@
           <a:p>
             <a:pPr algn="ctr"/>
             <a:r>
-              <a:rPr lang="en-GB" sz="6000" dirty="0" smtClean="0"/>
-              <a:t>Reports</a:t>
-            </a:r>
-            <a:endParaRPr lang="en-GB" sz="6000" dirty="0"/>
+              <a:rPr lang="en-GB" sz="6000" dirty="0"/>
+              <a:t>Publications</a:t>
+            </a:r>
           </a:p>
         </p:txBody>
       </p:sp>
       <p:pic>
         <p:nvPicPr>
-          <p:cNvPr id="2" name="Picture 1"/>
+          <p:cNvPr id="5" name="Picture 4"/>
           <p:cNvPicPr>
             <a:picLocks noChangeAspect="1"/>
           </p:cNvPicPr>
@@ -7273,8 +7200,8 @@
         </p:blipFill>
         <p:spPr>
           <a:xfrm>
-            <a:off x="347774" y="1339850"/>
-            <a:ext cx="11487150" cy="5295900"/>
+            <a:off x="290512" y="1377262"/>
+            <a:ext cx="11610975" cy="5000625"/>
           </a:xfrm>
           <a:prstGeom prst="rect">
             <a:avLst/>
@@ -7284,20 +7211,13 @@
     </p:spTree>
     <p:extLst>
       <p:ext uri="{BB962C8B-B14F-4D97-AF65-F5344CB8AC3E}">
-        <p14:creationId xmlns:p14="http://schemas.microsoft.com/office/powerpoint/2010/main" val="3428212518"/>
+        <p14:creationId xmlns:p14="http://schemas.microsoft.com/office/powerpoint/2010/main" val="1605444022"/>
       </p:ext>
     </p:extLst>
   </p:cSld>
   <p:clrMapOvr>
     <a:masterClrMapping/>
   </p:clrMapOvr>
-  <p:timing>
-    <p:tnLst>
-      <p:par>
-        <p:cTn id="1" dur="indefinite" restart="never" nodeType="tmRoot"/>
-      </p:par>
-    </p:tnLst>
-  </p:timing>
 </p:sld>
 </file>
 
@@ -7327,7 +7247,7 @@
           <p:nvPr/>
         </p:nvPicPr>
         <p:blipFill>
-          <a:blip r:embed="rId2">
+          <a:blip r:embed="rId3">
             <a:extLst>
               <a:ext uri="{28A0092B-C50C-407E-A947-70E740481C1C}">
                 <a14:useLocalDpi xmlns:a14="http://schemas.microsoft.com/office/drawing/2010/main" val="0"/>
@@ -7356,13 +7276,15 @@
         </p:nvSpPr>
         <p:spPr>
           <a:xfrm>
-            <a:off x="244699" y="103915"/>
-            <a:ext cx="11693301" cy="1015663"/>
-          </a:xfrm>
-          <a:prstGeom prst="rect">
-            <a:avLst/>
-          </a:prstGeom>
-          <a:noFill/>
+            <a:off x="244699" y="2921169"/>
+            <a:ext cx="11608634" cy="1015663"/>
+          </a:xfrm>
+          <a:prstGeom prst="rect">
+            <a:avLst/>
+          </a:prstGeom>
+          <a:solidFill>
+            <a:schemeClr val="bg2"/>
+          </a:solidFill>
         </p:spPr>
         <p:txBody>
           <a:bodyPr wrap="square" rtlCol="0">
@@ -7372,54 +7294,22 @@
           <a:p>
             <a:pPr algn="ctr"/>
             <a:r>
-              <a:rPr lang="en-GB" sz="6000" dirty="0" smtClean="0"/>
-              <a:t>Publications</a:t>
-            </a:r>
-            <a:endParaRPr lang="en-GB" sz="6000" dirty="0"/>
-          </a:p>
-        </p:txBody>
-      </p:sp>
-      <p:pic>
-        <p:nvPicPr>
-          <p:cNvPr id="2" name="Picture 1"/>
-          <p:cNvPicPr>
-            <a:picLocks noChangeAspect="1"/>
-          </p:cNvPicPr>
-          <p:nvPr/>
-        </p:nvPicPr>
-        <p:blipFill>
-          <a:blip r:embed="rId3"/>
-          <a:stretch>
-            <a:fillRect/>
-          </a:stretch>
-        </p:blipFill>
-        <p:spPr>
-          <a:xfrm>
-            <a:off x="371586" y="1183089"/>
-            <a:ext cx="11439525" cy="5629275"/>
-          </a:xfrm>
-          <a:prstGeom prst="rect">
-            <a:avLst/>
-          </a:prstGeom>
-        </p:spPr>
-      </p:pic>
+              <a:rPr lang="en-GB" sz="6000" dirty="0"/>
+              <a:t>Administrator experience</a:t>
+            </a:r>
+          </a:p>
+        </p:txBody>
+      </p:sp>
     </p:spTree>
     <p:extLst>
       <p:ext uri="{BB962C8B-B14F-4D97-AF65-F5344CB8AC3E}">
-        <p14:creationId xmlns:p14="http://schemas.microsoft.com/office/powerpoint/2010/main" val="1605444022"/>
+        <p14:creationId xmlns:p14="http://schemas.microsoft.com/office/powerpoint/2010/main" val="1235747204"/>
       </p:ext>
     </p:extLst>
   </p:cSld>
   <p:clrMapOvr>
     <a:masterClrMapping/>
   </p:clrMapOvr>
-  <p:timing>
-    <p:tnLst>
-      <p:par>
-        <p:cTn id="1" dur="indefinite" restart="never" nodeType="tmRoot"/>
-      </p:par>
-    </p:tnLst>
-  </p:timing>
 </p:sld>
 </file>
 
@@ -7449,7 +7339,7 @@
           <p:nvPr/>
         </p:nvPicPr>
         <p:blipFill>
-          <a:blip r:embed="rId3">
+          <a:blip r:embed="rId2">
             <a:extLst>
               <a:ext uri="{28A0092B-C50C-407E-A947-70E740481C1C}">
                 <a14:useLocalDpi xmlns:a14="http://schemas.microsoft.com/office/drawing/2010/main" val="0"/>
@@ -7478,15 +7368,13 @@
         </p:nvSpPr>
         <p:spPr>
           <a:xfrm>
-            <a:off x="244699" y="2921169"/>
-            <a:ext cx="11608634" cy="1015663"/>
-          </a:xfrm>
-          <a:prstGeom prst="rect">
-            <a:avLst/>
-          </a:prstGeom>
-          <a:solidFill>
-            <a:schemeClr val="bg2"/>
-          </a:solidFill>
+            <a:off x="244699" y="103915"/>
+            <a:ext cx="11693301" cy="1015663"/>
+          </a:xfrm>
+          <a:prstGeom prst="rect">
+            <a:avLst/>
+          </a:prstGeom>
+          <a:noFill/>
         </p:spPr>
         <p:txBody>
           <a:bodyPr wrap="square" rtlCol="0">
@@ -7496,30 +7384,46 @@
           <a:p>
             <a:pPr algn="ctr"/>
             <a:r>
-              <a:rPr lang="en-GB" sz="6000" dirty="0" smtClean="0"/>
-              <a:t>Administrator experience</a:t>
-            </a:r>
-            <a:endParaRPr lang="en-GB" sz="6000" dirty="0"/>
-          </a:p>
-        </p:txBody>
-      </p:sp>
+              <a:rPr lang="en-GB" sz="6000" dirty="0"/>
+              <a:t>Login</a:t>
+            </a:r>
+          </a:p>
+        </p:txBody>
+      </p:sp>
+      <p:pic>
+        <p:nvPicPr>
+          <p:cNvPr id="5" name="Picture 4"/>
+          <p:cNvPicPr>
+            <a:picLocks noChangeAspect="1"/>
+          </p:cNvPicPr>
+          <p:nvPr/>
+        </p:nvPicPr>
+        <p:blipFill>
+          <a:blip r:embed="rId3"/>
+          <a:stretch>
+            <a:fillRect/>
+          </a:stretch>
+        </p:blipFill>
+        <p:spPr>
+          <a:xfrm>
+            <a:off x="514350" y="1485271"/>
+            <a:ext cx="11163300" cy="3990975"/>
+          </a:xfrm>
+          <a:prstGeom prst="rect">
+            <a:avLst/>
+          </a:prstGeom>
+        </p:spPr>
+      </p:pic>
     </p:spTree>
     <p:extLst>
       <p:ext uri="{BB962C8B-B14F-4D97-AF65-F5344CB8AC3E}">
-        <p14:creationId xmlns:p14="http://schemas.microsoft.com/office/powerpoint/2010/main" val="1235747204"/>
+        <p14:creationId xmlns:p14="http://schemas.microsoft.com/office/powerpoint/2010/main" val="489108043"/>
       </p:ext>
     </p:extLst>
   </p:cSld>
   <p:clrMapOvr>
     <a:masterClrMapping/>
   </p:clrMapOvr>
-  <p:timing>
-    <p:tnLst>
-      <p:par>
-        <p:cTn id="1" dur="indefinite" restart="never" nodeType="tmRoot"/>
-      </p:par>
-    </p:tnLst>
-  </p:timing>
 </p:sld>
 </file>
 
@@ -7594,16 +7498,15 @@
           <a:p>
             <a:pPr algn="ctr"/>
             <a:r>
-              <a:rPr lang="en-GB" sz="6000" dirty="0" smtClean="0"/>
-              <a:t>Login</a:t>
-            </a:r>
-            <a:endParaRPr lang="en-GB" sz="6000" dirty="0"/>
+              <a:rPr lang="en-GB" sz="6000" dirty="0"/>
+              <a:t>Home</a:t>
+            </a:r>
           </a:p>
         </p:txBody>
       </p:sp>
       <p:pic>
         <p:nvPicPr>
-          <p:cNvPr id="2" name="Picture 1"/>
+          <p:cNvPr id="5" name="Picture 4"/>
           <p:cNvPicPr>
             <a:picLocks noChangeAspect="1"/>
           </p:cNvPicPr>
@@ -7617,8 +7520,8 @@
         </p:blipFill>
         <p:spPr>
           <a:xfrm>
-            <a:off x="342900" y="1512886"/>
-            <a:ext cx="11506200" cy="3933825"/>
+            <a:off x="1116109" y="1401523"/>
+            <a:ext cx="9950480" cy="4689877"/>
           </a:xfrm>
           <a:prstGeom prst="rect">
             <a:avLst/>
@@ -7628,20 +7531,13 @@
     </p:spTree>
     <p:extLst>
       <p:ext uri="{BB962C8B-B14F-4D97-AF65-F5344CB8AC3E}">
-        <p14:creationId xmlns:p14="http://schemas.microsoft.com/office/powerpoint/2010/main" val="489108043"/>
+        <p14:creationId xmlns:p14="http://schemas.microsoft.com/office/powerpoint/2010/main" val="3262158028"/>
       </p:ext>
     </p:extLst>
   </p:cSld>
   <p:clrMapOvr>
     <a:masterClrMapping/>
   </p:clrMapOvr>
-  <p:timing>
-    <p:tnLst>
-      <p:par>
-        <p:cTn id="1" dur="indefinite" restart="never" nodeType="tmRoot"/>
-      </p:par>
-    </p:tnLst>
-  </p:timing>
 </p:sld>
 </file>
 
@@ -7716,16 +7612,15 @@
           <a:p>
             <a:pPr algn="ctr"/>
             <a:r>
-              <a:rPr lang="en-GB" sz="6000" dirty="0" smtClean="0"/>
-              <a:t>Home</a:t>
-            </a:r>
-            <a:endParaRPr lang="en-GB" sz="6000" dirty="0"/>
+              <a:rPr lang="en-GB" sz="6000" dirty="0"/>
+              <a:t>Reports</a:t>
+            </a:r>
           </a:p>
         </p:txBody>
       </p:sp>
       <p:pic>
         <p:nvPicPr>
-          <p:cNvPr id="2" name="Picture 1"/>
+          <p:cNvPr id="6" name="Picture 5"/>
           <p:cNvPicPr>
             <a:picLocks noChangeAspect="1"/>
           </p:cNvPicPr>
@@ -7739,8 +7634,8 @@
         </p:blipFill>
         <p:spPr>
           <a:xfrm>
-            <a:off x="733425" y="1206470"/>
-            <a:ext cx="10725150" cy="5353607"/>
+            <a:off x="357187" y="1409967"/>
+            <a:ext cx="11477625" cy="5038725"/>
           </a:xfrm>
           <a:prstGeom prst="rect">
             <a:avLst/>
@@ -7750,20 +7645,13 @@
     </p:spTree>
     <p:extLst>
       <p:ext uri="{BB962C8B-B14F-4D97-AF65-F5344CB8AC3E}">
-        <p14:creationId xmlns:p14="http://schemas.microsoft.com/office/powerpoint/2010/main" val="3262158028"/>
+        <p14:creationId xmlns:p14="http://schemas.microsoft.com/office/powerpoint/2010/main" val="3541432180"/>
       </p:ext>
     </p:extLst>
   </p:cSld>
   <p:clrMapOvr>
     <a:masterClrMapping/>
   </p:clrMapOvr>
-  <p:timing>
-    <p:tnLst>
-      <p:par>
-        <p:cTn id="1" dur="indefinite" restart="never" nodeType="tmRoot"/>
-      </p:par>
-    </p:tnLst>
-  </p:timing>
 </p:sld>
 </file>
 
@@ -7838,16 +7726,15 @@
           <a:p>
             <a:pPr algn="ctr"/>
             <a:r>
-              <a:rPr lang="en-GB" sz="6000" dirty="0" smtClean="0"/>
-              <a:t>Reports</a:t>
-            </a:r>
-            <a:endParaRPr lang="en-GB" sz="6000" dirty="0"/>
+              <a:rPr lang="en-GB" sz="6000" dirty="0"/>
+              <a:t>Publications</a:t>
+            </a:r>
           </a:p>
         </p:txBody>
       </p:sp>
       <p:pic>
         <p:nvPicPr>
-          <p:cNvPr id="2" name="Picture 1"/>
+          <p:cNvPr id="5" name="Picture 4"/>
           <p:cNvPicPr>
             <a:picLocks noChangeAspect="1"/>
           </p:cNvPicPr>
@@ -7861,8 +7748,8 @@
         </p:blipFill>
         <p:spPr>
           <a:xfrm>
-            <a:off x="400050" y="1638300"/>
-            <a:ext cx="11391900" cy="3581400"/>
+            <a:off x="290512" y="1377262"/>
+            <a:ext cx="11610975" cy="5000625"/>
           </a:xfrm>
           <a:prstGeom prst="rect">
             <a:avLst/>
@@ -7872,20 +7759,13 @@
     </p:spTree>
     <p:extLst>
       <p:ext uri="{BB962C8B-B14F-4D97-AF65-F5344CB8AC3E}">
-        <p14:creationId xmlns:p14="http://schemas.microsoft.com/office/powerpoint/2010/main" val="3541432180"/>
+        <p14:creationId xmlns:p14="http://schemas.microsoft.com/office/powerpoint/2010/main" val="2665349470"/>
       </p:ext>
     </p:extLst>
   </p:cSld>
   <p:clrMapOvr>
     <a:masterClrMapping/>
   </p:clrMapOvr>
-  <p:timing>
-    <p:tnLst>
-      <p:par>
-        <p:cTn id="1" dur="indefinite" restart="never" nodeType="tmRoot"/>
-      </p:par>
-    </p:tnLst>
-  </p:timing>
 </p:sld>
 </file>
 
@@ -7960,16 +7840,15 @@
           <a:p>
             <a:pPr algn="ctr"/>
             <a:r>
-              <a:rPr lang="en-GB" sz="6000" dirty="0" smtClean="0"/>
-              <a:t>Publications</a:t>
-            </a:r>
-            <a:endParaRPr lang="en-GB" sz="6000" dirty="0"/>
+              <a:rPr lang="en-GB" sz="6000" dirty="0"/>
+              <a:t>Competitions</a:t>
+            </a:r>
           </a:p>
         </p:txBody>
       </p:sp>
       <p:pic>
         <p:nvPicPr>
-          <p:cNvPr id="2" name="Picture 1"/>
+          <p:cNvPr id="5" name="Picture 4"/>
           <p:cNvPicPr>
             <a:picLocks noChangeAspect="1"/>
           </p:cNvPicPr>
@@ -7983,8 +7862,8 @@
         </p:blipFill>
         <p:spPr>
           <a:xfrm>
-            <a:off x="371586" y="1183089"/>
-            <a:ext cx="11439525" cy="5629275"/>
+            <a:off x="295275" y="1255863"/>
+            <a:ext cx="11601450" cy="5105400"/>
           </a:xfrm>
           <a:prstGeom prst="rect">
             <a:avLst/>
@@ -7994,20 +7873,13 @@
     </p:spTree>
     <p:extLst>
       <p:ext uri="{BB962C8B-B14F-4D97-AF65-F5344CB8AC3E}">
-        <p14:creationId xmlns:p14="http://schemas.microsoft.com/office/powerpoint/2010/main" val="2665349470"/>
+        <p14:creationId xmlns:p14="http://schemas.microsoft.com/office/powerpoint/2010/main" val="1693496592"/>
       </p:ext>
     </p:extLst>
   </p:cSld>
   <p:clrMapOvr>
     <a:masterClrMapping/>
   </p:clrMapOvr>
-  <p:timing>
-    <p:tnLst>
-      <p:par>
-        <p:cTn id="1" dur="indefinite" restart="never" nodeType="tmRoot"/>
-      </p:par>
-    </p:tnLst>
-  </p:timing>
 </p:sld>
 </file>
 
@@ -8082,10 +7954,9 @@
           <a:p>
             <a:pPr algn="ctr"/>
             <a:r>
-              <a:rPr lang="en-GB" sz="6000" dirty="0" smtClean="0"/>
+              <a:rPr lang="en-GB" sz="6000" dirty="0"/>
               <a:t>Competitions</a:t>
             </a:r>
-            <a:endParaRPr lang="en-GB" sz="6000" dirty="0"/>
           </a:p>
         </p:txBody>
       </p:sp>
@@ -8105,8 +7976,8 @@
         </p:blipFill>
         <p:spPr>
           <a:xfrm>
-            <a:off x="385762" y="1261010"/>
-            <a:ext cx="11420475" cy="5419725"/>
+            <a:off x="1258649" y="1345720"/>
+            <a:ext cx="9665400" cy="5141343"/>
           </a:xfrm>
           <a:prstGeom prst="rect">
             <a:avLst/>
@@ -8116,20 +7987,13 @@
     </p:spTree>
     <p:extLst>
       <p:ext uri="{BB962C8B-B14F-4D97-AF65-F5344CB8AC3E}">
-        <p14:creationId xmlns:p14="http://schemas.microsoft.com/office/powerpoint/2010/main" val="1693496592"/>
+        <p14:creationId xmlns:p14="http://schemas.microsoft.com/office/powerpoint/2010/main" val="1669300615"/>
       </p:ext>
     </p:extLst>
   </p:cSld>
   <p:clrMapOvr>
     <a:masterClrMapping/>
   </p:clrMapOvr>
-  <p:timing>
-    <p:tnLst>
-      <p:par>
-        <p:cTn id="1" dur="indefinite" restart="never" nodeType="tmRoot"/>
-      </p:par>
-    </p:tnLst>
-  </p:timing>
 </p:sld>
 </file>
 
@@ -8206,10 +8070,9 @@
           <a:p>
             <a:pPr algn="ctr"/>
             <a:r>
-              <a:rPr lang="en-GB" sz="6000" dirty="0" smtClean="0"/>
+              <a:rPr lang="en-GB" sz="6000" dirty="0"/>
               <a:t>Guest experience</a:t>
             </a:r>
-            <a:endParaRPr lang="en-GB" sz="6000" dirty="0"/>
           </a:p>
         </p:txBody>
       </p:sp>
@@ -8223,13 +8086,6 @@
   <p:clrMapOvr>
     <a:masterClrMapping/>
   </p:clrMapOvr>
-  <p:timing>
-    <p:tnLst>
-      <p:par>
-        <p:cTn id="1" dur="indefinite" restart="never" nodeType="tmRoot"/>
-      </p:par>
-    </p:tnLst>
-  </p:timing>
 </p:sld>
 </file>
 
@@ -8304,10 +8160,9 @@
           <a:p>
             <a:pPr algn="ctr"/>
             <a:r>
-              <a:rPr lang="en-GB" sz="6000" dirty="0" smtClean="0"/>
-              <a:t>Competitions</a:t>
-            </a:r>
-            <a:endParaRPr lang="en-GB" sz="6000" dirty="0"/>
+              <a:rPr lang="en-GB" sz="6000" dirty="0"/>
+              <a:t>Failed Login Attempts</a:t>
+            </a:r>
           </a:p>
         </p:txBody>
       </p:sp>
@@ -8327,8 +8182,8 @@
         </p:blipFill>
         <p:spPr>
           <a:xfrm>
-            <a:off x="1233599" y="1056068"/>
-            <a:ext cx="9715500" cy="5675013"/>
+            <a:off x="319087" y="1448699"/>
+            <a:ext cx="11553825" cy="4857750"/>
           </a:xfrm>
           <a:prstGeom prst="rect">
             <a:avLst/>
@@ -8338,20 +8193,13 @@
     </p:spTree>
     <p:extLst>
       <p:ext uri="{BB962C8B-B14F-4D97-AF65-F5344CB8AC3E}">
-        <p14:creationId xmlns:p14="http://schemas.microsoft.com/office/powerpoint/2010/main" val="1669300615"/>
+        <p14:creationId xmlns:p14="http://schemas.microsoft.com/office/powerpoint/2010/main" val="1866376873"/>
       </p:ext>
     </p:extLst>
   </p:cSld>
   <p:clrMapOvr>
     <a:masterClrMapping/>
   </p:clrMapOvr>
-  <p:timing>
-    <p:tnLst>
-      <p:par>
-        <p:cTn id="1" dur="indefinite" restart="never" nodeType="tmRoot"/>
-      </p:par>
-    </p:tnLst>
-  </p:timing>
 </p:sld>
 </file>
 
@@ -8426,10 +8274,9 @@
           <a:p>
             <a:pPr algn="ctr"/>
             <a:r>
-              <a:rPr lang="en-GB" sz="6000" dirty="0" smtClean="0"/>
-              <a:t>Failed Login Attempts</a:t>
-            </a:r>
-            <a:endParaRPr lang="en-GB" sz="6000" dirty="0"/>
+              <a:rPr lang="en-GB" sz="6000" dirty="0"/>
+              <a:t>Analytics</a:t>
+            </a:r>
           </a:p>
         </p:txBody>
       </p:sp>
@@ -8449,8 +8296,32 @@
         </p:blipFill>
         <p:spPr>
           <a:xfrm>
-            <a:off x="309674" y="1583795"/>
-            <a:ext cx="11563350" cy="4638675"/>
+            <a:off x="6404009" y="1056068"/>
+            <a:ext cx="4757097" cy="5147776"/>
+          </a:xfrm>
+          <a:prstGeom prst="rect">
+            <a:avLst/>
+          </a:prstGeom>
+        </p:spPr>
+      </p:pic>
+      <p:pic>
+        <p:nvPicPr>
+          <p:cNvPr id="5" name="Picture 4"/>
+          <p:cNvPicPr>
+            <a:picLocks noChangeAspect="1"/>
+          </p:cNvPicPr>
+          <p:nvPr/>
+        </p:nvPicPr>
+        <p:blipFill>
+          <a:blip r:embed="rId4"/>
+          <a:stretch>
+            <a:fillRect/>
+          </a:stretch>
+        </p:blipFill>
+        <p:spPr>
+          <a:xfrm>
+            <a:off x="1133341" y="1056068"/>
+            <a:ext cx="4982679" cy="5142124"/>
           </a:xfrm>
           <a:prstGeom prst="rect">
             <a:avLst/>
@@ -8460,20 +8331,13 @@
     </p:spTree>
     <p:extLst>
       <p:ext uri="{BB962C8B-B14F-4D97-AF65-F5344CB8AC3E}">
-        <p14:creationId xmlns:p14="http://schemas.microsoft.com/office/powerpoint/2010/main" val="1866376873"/>
+        <p14:creationId xmlns:p14="http://schemas.microsoft.com/office/powerpoint/2010/main" val="868905276"/>
       </p:ext>
     </p:extLst>
   </p:cSld>
   <p:clrMapOvr>
     <a:masterClrMapping/>
   </p:clrMapOvr>
-  <p:timing>
-    <p:tnLst>
-      <p:par>
-        <p:cTn id="1" dur="indefinite" restart="never" nodeType="tmRoot"/>
-      </p:par>
-    </p:tnLst>
-  </p:timing>
 </p:sld>
 </file>
 
@@ -8548,10 +8412,9 @@
           <a:p>
             <a:pPr algn="ctr"/>
             <a:r>
-              <a:rPr lang="en-GB" sz="6000" dirty="0" smtClean="0"/>
+              <a:rPr lang="en-GB" sz="6000" dirty="0"/>
               <a:t>Analytics</a:t>
             </a:r>
-            <a:endParaRPr lang="en-GB" sz="6000" dirty="0"/>
           </a:p>
         </p:txBody>
       </p:sp>
@@ -8571,32 +8434,8 @@
         </p:blipFill>
         <p:spPr>
           <a:xfrm>
-            <a:off x="6404009" y="1056068"/>
-            <a:ext cx="4757097" cy="5147776"/>
-          </a:xfrm>
-          <a:prstGeom prst="rect">
-            <a:avLst/>
-          </a:prstGeom>
-        </p:spPr>
-      </p:pic>
-      <p:pic>
-        <p:nvPicPr>
-          <p:cNvPr id="5" name="Picture 4"/>
-          <p:cNvPicPr>
-            <a:picLocks noChangeAspect="1"/>
-          </p:cNvPicPr>
-          <p:nvPr/>
-        </p:nvPicPr>
-        <p:blipFill>
-          <a:blip r:embed="rId4"/>
-          <a:stretch>
-            <a:fillRect/>
-          </a:stretch>
-        </p:blipFill>
-        <p:spPr>
-          <a:xfrm>
-            <a:off x="1133341" y="1056068"/>
-            <a:ext cx="4982679" cy="5142124"/>
+            <a:off x="947849" y="1358370"/>
+            <a:ext cx="10287000" cy="4581525"/>
           </a:xfrm>
           <a:prstGeom prst="rect">
             <a:avLst/>
@@ -8606,20 +8445,13 @@
     </p:spTree>
     <p:extLst>
       <p:ext uri="{BB962C8B-B14F-4D97-AF65-F5344CB8AC3E}">
-        <p14:creationId xmlns:p14="http://schemas.microsoft.com/office/powerpoint/2010/main" val="868905276"/>
+        <p14:creationId xmlns:p14="http://schemas.microsoft.com/office/powerpoint/2010/main" val="715221017"/>
       </p:ext>
     </p:extLst>
   </p:cSld>
   <p:clrMapOvr>
     <a:masterClrMapping/>
   </p:clrMapOvr>
-  <p:timing>
-    <p:tnLst>
-      <p:par>
-        <p:cTn id="1" dur="indefinite" restart="never" nodeType="tmRoot"/>
-      </p:par>
-    </p:tnLst>
-  </p:timing>
 </p:sld>
 </file>
 
@@ -8649,7 +8481,7 @@
           <p:nvPr/>
         </p:nvPicPr>
         <p:blipFill>
-          <a:blip r:embed="rId2">
+          <a:blip r:embed="rId3">
             <a:extLst>
               <a:ext uri="{28A0092B-C50C-407E-A947-70E740481C1C}">
                 <a14:useLocalDpi xmlns:a14="http://schemas.microsoft.com/office/drawing/2010/main" val="0"/>
@@ -8678,13 +8510,15 @@
         </p:nvSpPr>
         <p:spPr>
           <a:xfrm>
-            <a:off x="244699" y="103915"/>
-            <a:ext cx="11693301" cy="1015663"/>
-          </a:xfrm>
-          <a:prstGeom prst="rect">
-            <a:avLst/>
-          </a:prstGeom>
-          <a:noFill/>
+            <a:off x="291683" y="2921169"/>
+            <a:ext cx="11608634" cy="1015663"/>
+          </a:xfrm>
+          <a:prstGeom prst="rect">
+            <a:avLst/>
+          </a:prstGeom>
+          <a:solidFill>
+            <a:schemeClr val="bg2"/>
+          </a:solidFill>
         </p:spPr>
         <p:txBody>
           <a:bodyPr wrap="square" rtlCol="0">
@@ -8694,54 +8528,22 @@
           <a:p>
             <a:pPr algn="ctr"/>
             <a:r>
-              <a:rPr lang="en-GB" sz="6000" dirty="0" smtClean="0"/>
-              <a:t>Analytics</a:t>
-            </a:r>
-            <a:endParaRPr lang="en-GB" sz="6000" dirty="0"/>
-          </a:p>
-        </p:txBody>
-      </p:sp>
-      <p:pic>
-        <p:nvPicPr>
-          <p:cNvPr id="2" name="Picture 1"/>
-          <p:cNvPicPr>
-            <a:picLocks noChangeAspect="1"/>
-          </p:cNvPicPr>
-          <p:nvPr/>
-        </p:nvPicPr>
-        <p:blipFill>
-          <a:blip r:embed="rId3"/>
-          <a:stretch>
-            <a:fillRect/>
-          </a:stretch>
-        </p:blipFill>
-        <p:spPr>
-          <a:xfrm>
-            <a:off x="947849" y="1358370"/>
-            <a:ext cx="10287000" cy="4581525"/>
-          </a:xfrm>
-          <a:prstGeom prst="rect">
-            <a:avLst/>
-          </a:prstGeom>
-        </p:spPr>
-      </p:pic>
+              <a:rPr lang="en-GB" sz="6000" dirty="0"/>
+              <a:t>Future</a:t>
+            </a:r>
+          </a:p>
+        </p:txBody>
+      </p:sp>
     </p:spTree>
     <p:extLst>
       <p:ext uri="{BB962C8B-B14F-4D97-AF65-F5344CB8AC3E}">
-        <p14:creationId xmlns:p14="http://schemas.microsoft.com/office/powerpoint/2010/main" val="715221017"/>
+        <p14:creationId xmlns:p14="http://schemas.microsoft.com/office/powerpoint/2010/main" val="4266734389"/>
       </p:ext>
     </p:extLst>
   </p:cSld>
   <p:clrMapOvr>
     <a:masterClrMapping/>
   </p:clrMapOvr>
-  <p:timing>
-    <p:tnLst>
-      <p:par>
-        <p:cTn id="1" dur="indefinite" restart="never" nodeType="tmRoot"/>
-      </p:par>
-    </p:tnLst>
-  </p:timing>
 </p:sld>
 </file>
 
@@ -8764,106 +8566,6 @@
       </p:grpSpPr>
       <p:pic>
         <p:nvPicPr>
-          <p:cNvPr id="4" name="Picture 3"/>
-          <p:cNvPicPr>
-            <a:picLocks noChangeAspect="1"/>
-          </p:cNvPicPr>
-          <p:nvPr/>
-        </p:nvPicPr>
-        <p:blipFill>
-          <a:blip r:embed="rId3">
-            <a:extLst>
-              <a:ext uri="{28A0092B-C50C-407E-A947-70E740481C1C}">
-                <a14:useLocalDpi xmlns:a14="http://schemas.microsoft.com/office/drawing/2010/main" val="0"/>
-              </a:ext>
-            </a:extLst>
-          </a:blip>
-          <a:stretch>
-            <a:fillRect/>
-          </a:stretch>
-        </p:blipFill>
-        <p:spPr>
-          <a:xfrm>
-            <a:off x="244699" y="167426"/>
-            <a:ext cx="888642" cy="888642"/>
-          </a:xfrm>
-          <a:prstGeom prst="rect">
-            <a:avLst/>
-          </a:prstGeom>
-        </p:spPr>
-      </p:pic>
-      <p:sp>
-        <p:nvSpPr>
-          <p:cNvPr id="3" name="TextBox 2"/>
-          <p:cNvSpPr txBox="1"/>
-          <p:nvPr/>
-        </p:nvSpPr>
-        <p:spPr>
-          <a:xfrm>
-            <a:off x="291683" y="2921169"/>
-            <a:ext cx="11608634" cy="1015663"/>
-          </a:xfrm>
-          <a:prstGeom prst="rect">
-            <a:avLst/>
-          </a:prstGeom>
-          <a:solidFill>
-            <a:schemeClr val="bg2"/>
-          </a:solidFill>
-        </p:spPr>
-        <p:txBody>
-          <a:bodyPr wrap="square" rtlCol="0">
-            <a:spAutoFit/>
-          </a:bodyPr>
-          <a:lstStyle/>
-          <a:p>
-            <a:pPr algn="ctr"/>
-            <a:r>
-              <a:rPr lang="en-GB" sz="6000" dirty="0" smtClean="0"/>
-              <a:t>Future</a:t>
-            </a:r>
-            <a:endParaRPr lang="en-GB" sz="6000" dirty="0"/>
-          </a:p>
-        </p:txBody>
-      </p:sp>
-    </p:spTree>
-    <p:extLst>
-      <p:ext uri="{BB962C8B-B14F-4D97-AF65-F5344CB8AC3E}">
-        <p14:creationId xmlns:p14="http://schemas.microsoft.com/office/powerpoint/2010/main" val="4266734389"/>
-      </p:ext>
-    </p:extLst>
-  </p:cSld>
-  <p:clrMapOvr>
-    <a:masterClrMapping/>
-  </p:clrMapOvr>
-  <p:timing>
-    <p:tnLst>
-      <p:par>
-        <p:cTn id="1" dur="indefinite" restart="never" nodeType="tmRoot"/>
-      </p:par>
-    </p:tnLst>
-  </p:timing>
-</p:sld>
-</file>
-
-<file path=ppt/slides/slide45.xml><?xml version="1.0" encoding="utf-8"?>
-<p:sld xmlns:a="http://schemas.openxmlformats.org/drawingml/2006/main" xmlns:r="http://schemas.openxmlformats.org/officeDocument/2006/relationships" xmlns:p="http://schemas.openxmlformats.org/presentationml/2006/main">
-  <p:cSld>
-    <p:spTree>
-      <p:nvGrpSpPr>
-        <p:cNvPr id="1" name=""/>
-        <p:cNvGrpSpPr/>
-        <p:nvPr/>
-      </p:nvGrpSpPr>
-      <p:grpSpPr>
-        <a:xfrm>
-          <a:off x="0" y="0"/>
-          <a:ext cx="0" cy="0"/>
-          <a:chOff x="0" y="0"/>
-          <a:chExt cx="0" cy="0"/>
-        </a:xfrm>
-      </p:grpSpPr>
-      <p:pic>
-        <p:nvPicPr>
           <p:cNvPr id="5" name="Picture 4"/>
           <p:cNvPicPr>
             <a:picLocks noChangeAspect="1"/>
@@ -8918,10 +8620,9 @@
           <a:p>
             <a:pPr algn="ctr"/>
             <a:r>
-              <a:rPr lang="en-GB" sz="6000" dirty="0" smtClean="0"/>
+              <a:rPr lang="en-GB" sz="6000" dirty="0"/>
               <a:t>Questions</a:t>
             </a:r>
-            <a:endParaRPr lang="en-GB" sz="6000" dirty="0"/>
           </a:p>
         </p:txBody>
       </p:sp>
@@ -8935,13 +8636,6 @@
   <p:clrMapOvr>
     <a:masterClrMapping/>
   </p:clrMapOvr>
-  <p:timing>
-    <p:tnLst>
-      <p:par>
-        <p:cTn id="1" dur="indefinite" restart="never" nodeType="tmRoot"/>
-      </p:par>
-    </p:tnLst>
-  </p:timing>
 </p:sld>
 </file>
 
@@ -9016,16 +8710,15 @@
           <a:p>
             <a:pPr algn="ctr"/>
             <a:r>
-              <a:rPr lang="en-GB" sz="6000" dirty="0" smtClean="0"/>
+              <a:rPr lang="en-GB" sz="6000" dirty="0"/>
               <a:t>Login</a:t>
             </a:r>
-            <a:endParaRPr lang="en-GB" sz="6000" dirty="0"/>
           </a:p>
         </p:txBody>
       </p:sp>
       <p:pic>
         <p:nvPicPr>
-          <p:cNvPr id="2" name="Picture 1"/>
+          <p:cNvPr id="5" name="Picture 4"/>
           <p:cNvPicPr>
             <a:picLocks noChangeAspect="1"/>
           </p:cNvPicPr>
@@ -9039,8 +8732,8 @@
         </p:blipFill>
         <p:spPr>
           <a:xfrm>
-            <a:off x="278870" y="2205567"/>
-            <a:ext cx="11659130" cy="2966792"/>
+            <a:off x="852487" y="1566862"/>
+            <a:ext cx="10487025" cy="3724275"/>
           </a:xfrm>
           <a:prstGeom prst="rect">
             <a:avLst/>
@@ -9057,13 +8750,6 @@
   <p:clrMapOvr>
     <a:masterClrMapping/>
   </p:clrMapOvr>
-  <p:timing>
-    <p:tnLst>
-      <p:par>
-        <p:cTn id="1" dur="indefinite" restart="never" nodeType="tmRoot"/>
-      </p:par>
-    </p:tnLst>
-  </p:timing>
 </p:sld>
 </file>
 
@@ -9138,16 +8824,15 @@
           <a:p>
             <a:pPr algn="ctr"/>
             <a:r>
-              <a:rPr lang="en-GB" sz="6000" dirty="0" smtClean="0"/>
+              <a:rPr lang="en-GB" sz="6000" dirty="0"/>
               <a:t>Home</a:t>
             </a:r>
-            <a:endParaRPr lang="en-GB" sz="6000" dirty="0"/>
           </a:p>
         </p:txBody>
       </p:sp>
       <p:pic>
         <p:nvPicPr>
-          <p:cNvPr id="2" name="Picture 1"/>
+          <p:cNvPr id="5" name="Picture 4"/>
           <p:cNvPicPr>
             <a:picLocks noChangeAspect="1"/>
           </p:cNvPicPr>
@@ -9161,8 +8846,8 @@
         </p:blipFill>
         <p:spPr>
           <a:xfrm>
-            <a:off x="244699" y="1786466"/>
-            <a:ext cx="11678159" cy="3462867"/>
+            <a:off x="419100" y="1800225"/>
+            <a:ext cx="11353800" cy="3257550"/>
           </a:xfrm>
           <a:prstGeom prst="rect">
             <a:avLst/>
@@ -9179,13 +8864,6 @@
   <p:clrMapOvr>
     <a:masterClrMapping/>
   </p:clrMapOvr>
-  <p:timing>
-    <p:tnLst>
-      <p:par>
-        <p:cTn id="1" dur="indefinite" restart="never" nodeType="tmRoot"/>
-      </p:par>
-    </p:tnLst>
-  </p:timing>
 </p:sld>
 </file>
 
@@ -9215,7 +8893,7 @@
           <p:nvPr/>
         </p:nvPicPr>
         <p:blipFill>
-          <a:blip r:embed="rId2">
+          <a:blip r:embed="rId3">
             <a:extLst>
               <a:ext uri="{28A0092B-C50C-407E-A947-70E740481C1C}">
                 <a14:useLocalDpi xmlns:a14="http://schemas.microsoft.com/office/drawing/2010/main" val="0"/>
@@ -9260,31 +8938,30 @@
           <a:p>
             <a:pPr algn="ctr"/>
             <a:r>
-              <a:rPr lang="en-GB" sz="6000" dirty="0" smtClean="0"/>
+              <a:rPr lang="en-GB" sz="6000" dirty="0"/>
               <a:t>Publications</a:t>
             </a:r>
-            <a:endParaRPr lang="en-GB" sz="6000" dirty="0"/>
           </a:p>
         </p:txBody>
       </p:sp>
       <p:pic>
         <p:nvPicPr>
-          <p:cNvPr id="2" name="Picture 1"/>
+          <p:cNvPr id="5" name="Picture 4"/>
           <p:cNvPicPr>
             <a:picLocks noChangeAspect="1"/>
           </p:cNvPicPr>
           <p:nvPr/>
         </p:nvPicPr>
         <p:blipFill>
-          <a:blip r:embed="rId3"/>
+          <a:blip r:embed="rId4"/>
           <a:stretch>
             <a:fillRect/>
           </a:stretch>
         </p:blipFill>
         <p:spPr>
           <a:xfrm>
-            <a:off x="104886" y="1250821"/>
-            <a:ext cx="11972925" cy="5181600"/>
+            <a:off x="361950" y="1294683"/>
+            <a:ext cx="11468100" cy="4648200"/>
           </a:xfrm>
           <a:prstGeom prst="rect">
             <a:avLst/>
@@ -9301,13 +8978,6 @@
   <p:clrMapOvr>
     <a:masterClrMapping/>
   </p:clrMapOvr>
-  <p:timing>
-    <p:tnLst>
-      <p:par>
-        <p:cTn id="1" dur="indefinite" restart="never" nodeType="tmRoot"/>
-      </p:par>
-    </p:tnLst>
-  </p:timing>
 </p:sld>
 </file>
 
@@ -9384,10 +9054,9 @@
           <a:p>
             <a:pPr algn="ctr"/>
             <a:r>
-              <a:rPr lang="en-GB" sz="6000" dirty="0" smtClean="0"/>
+              <a:rPr lang="en-GB" sz="6000" dirty="0"/>
               <a:t>Faculty guest experience</a:t>
             </a:r>
-            <a:endParaRPr lang="en-GB" sz="6000" dirty="0"/>
           </a:p>
         </p:txBody>
       </p:sp>
@@ -9401,13 +9070,6 @@
   <p:clrMapOvr>
     <a:masterClrMapping/>
   </p:clrMapOvr>
-  <p:timing>
-    <p:tnLst>
-      <p:par>
-        <p:cTn id="1" dur="indefinite" restart="never" nodeType="tmRoot"/>
-      </p:par>
-    </p:tnLst>
-  </p:timing>
 </p:sld>
 </file>
 
@@ -9482,16 +9144,15 @@
           <a:p>
             <a:pPr algn="ctr"/>
             <a:r>
-              <a:rPr lang="en-GB" sz="6000" dirty="0" smtClean="0"/>
+              <a:rPr lang="en-GB" sz="6000" dirty="0"/>
               <a:t>Login</a:t>
             </a:r>
-            <a:endParaRPr lang="en-GB" sz="6000" dirty="0"/>
           </a:p>
         </p:txBody>
       </p:sp>
       <p:pic>
         <p:nvPicPr>
-          <p:cNvPr id="2" name="Picture 1"/>
+          <p:cNvPr id="5" name="Picture 4"/>
           <p:cNvPicPr>
             <a:picLocks noChangeAspect="1"/>
           </p:cNvPicPr>
@@ -9505,8 +9166,8 @@
         </p:blipFill>
         <p:spPr>
           <a:xfrm>
-            <a:off x="85725" y="1447800"/>
-            <a:ext cx="12020550" cy="3962400"/>
+            <a:off x="519112" y="1509712"/>
+            <a:ext cx="11153775" cy="3838575"/>
           </a:xfrm>
           <a:prstGeom prst="rect">
             <a:avLst/>
@@ -9523,13 +9184,6 @@
   <p:clrMapOvr>
     <a:masterClrMapping/>
   </p:clrMapOvr>
-  <p:timing>
-    <p:tnLst>
-      <p:par>
-        <p:cTn id="1" dur="indefinite" restart="never" nodeType="tmRoot"/>
-      </p:par>
-    </p:tnLst>
-  </p:timing>
 </p:sld>
 </file>
 
